--- a/theory_11-usability_evaluation/theory_11-usability_evaluation.pptx
+++ b/theory_11-usability_evaluation/theory_11-usability_evaluation.pptx
@@ -234,7 +234,7 @@
           <a:p>
             <a:fld id="{251090E0-FB0C-49E9-9864-9F53EABEA96F}" type="datetimeFigureOut">
               <a:rPr lang="en-GB" smtClean="0"/>
-              <a:t>01/03/2024</a:t>
+              <a:t>04/05/2024</a:t>
             </a:fld>
             <a:endParaRPr lang="en-GB"/>
           </a:p>
@@ -7352,6 +7352,58 @@
           </a:prstGeom>
         </p:spPr>
       </p:pic>
+      <p:sp>
+        <p:nvSpPr>
+          <p:cNvPr id="3" name="Rectangle 2">
+            <a:extLst>
+              <a:ext uri="{FF2B5EF4-FFF2-40B4-BE49-F238E27FC236}">
+                <a16:creationId xmlns:a16="http://schemas.microsoft.com/office/drawing/2014/main" id="{6E3A947C-D17F-B0E1-77A4-1804F47CF3F1}"/>
+              </a:ext>
+            </a:extLst>
+          </p:cNvPr>
+          <p:cNvSpPr/>
+          <p:nvPr/>
+        </p:nvSpPr>
+        <p:spPr>
+          <a:xfrm>
+            <a:off x="280555" y="342900"/>
+            <a:ext cx="1101436" cy="498764"/>
+          </a:xfrm>
+          <a:prstGeom prst="rect">
+            <a:avLst/>
+          </a:prstGeom>
+        </p:spPr>
+        <p:style>
+          <a:lnRef idx="2">
+            <a:schemeClr val="accent6">
+              <a:shade val="15000"/>
+            </a:schemeClr>
+          </a:lnRef>
+          <a:fillRef idx="1">
+            <a:schemeClr val="accent6"/>
+          </a:fillRef>
+          <a:effectRef idx="0">
+            <a:schemeClr val="accent6"/>
+          </a:effectRef>
+          <a:fontRef idx="minor">
+            <a:schemeClr val="lt1"/>
+          </a:fontRef>
+        </p:style>
+        <p:txBody>
+          <a:bodyPr rtlCol="0" anchor="ctr"/>
+          <a:lstStyle/>
+          <a:p>
+            <a:pPr algn="ctr"/>
+            <a:r>
+              <a:rPr lang="en-US" b="1" dirty="0">
+                <a:latin typeface="Palatino" pitchFamily="2" charset="77"/>
+                <a:ea typeface="Palatino" pitchFamily="2" charset="77"/>
+              </a:rPr>
+              <a:t>BONUS</a:t>
+            </a:r>
+          </a:p>
+        </p:txBody>
+      </p:sp>
     </p:spTree>
     <p:extLst>
       <p:ext uri="{BB962C8B-B14F-4D97-AF65-F5344CB8AC3E}">
@@ -7506,6 +7558,58 @@
           </a:prstGeom>
         </p:spPr>
       </p:pic>
+      <p:sp>
+        <p:nvSpPr>
+          <p:cNvPr id="3" name="Rectangle 2">
+            <a:extLst>
+              <a:ext uri="{FF2B5EF4-FFF2-40B4-BE49-F238E27FC236}">
+                <a16:creationId xmlns:a16="http://schemas.microsoft.com/office/drawing/2014/main" id="{D36A14B1-01DD-3245-7273-2567C64AB358}"/>
+              </a:ext>
+            </a:extLst>
+          </p:cNvPr>
+          <p:cNvSpPr/>
+          <p:nvPr/>
+        </p:nvSpPr>
+        <p:spPr>
+          <a:xfrm>
+            <a:off x="280555" y="342900"/>
+            <a:ext cx="1101436" cy="498764"/>
+          </a:xfrm>
+          <a:prstGeom prst="rect">
+            <a:avLst/>
+          </a:prstGeom>
+        </p:spPr>
+        <p:style>
+          <a:lnRef idx="2">
+            <a:schemeClr val="accent6">
+              <a:shade val="15000"/>
+            </a:schemeClr>
+          </a:lnRef>
+          <a:fillRef idx="1">
+            <a:schemeClr val="accent6"/>
+          </a:fillRef>
+          <a:effectRef idx="0">
+            <a:schemeClr val="accent6"/>
+          </a:effectRef>
+          <a:fontRef idx="minor">
+            <a:schemeClr val="lt1"/>
+          </a:fontRef>
+        </p:style>
+        <p:txBody>
+          <a:bodyPr rtlCol="0" anchor="ctr"/>
+          <a:lstStyle/>
+          <a:p>
+            <a:pPr algn="ctr"/>
+            <a:r>
+              <a:rPr lang="en-US" b="1" dirty="0">
+                <a:latin typeface="Palatino" pitchFamily="2" charset="77"/>
+                <a:ea typeface="Palatino" pitchFamily="2" charset="77"/>
+              </a:rPr>
+              <a:t>BONUS</a:t>
+            </a:r>
+          </a:p>
+        </p:txBody>
+      </p:sp>
     </p:spTree>
     <p:extLst>
       <p:ext uri="{BB962C8B-B14F-4D97-AF65-F5344CB8AC3E}">
@@ -8364,7 +8468,15 @@
             <a:pPr lvl="1"/>
             <a:r>
               <a:rPr lang="en-GB" dirty="0"/>
-              <a:t>The CI width and sample size have an inverse square root relationship. This means if you want to cut your margin of error in half, you need to quadruple your sample size. For example, if your margin of error is ±20% at a sample size of 20 you’d need a sample size of approximately 80 to have a margin of error of ±10%.</a:t>
+              <a:t>The </a:t>
+            </a:r>
+            <a:r>
+              <a:rPr lang="en-GB" b="1" dirty="0"/>
+              <a:t>CI width and sample size have an inverse square root relationship</a:t>
+            </a:r>
+            <a:r>
+              <a:rPr lang="en-GB" dirty="0"/>
+              <a:t>. This means if you want to cut your margin of error in half, you need to quadruple your sample size. For example, if your margin of error is ±20% at a sample size of 20 you’d need a sample size of approximately 80 to have a margin of error of ±10%.</a:t>
             </a:r>
           </a:p>
         </p:txBody>
@@ -8652,7 +8764,7 @@
         </p:spPr>
         <p:txBody>
           <a:bodyPr>
-            <a:normAutofit fontScale="92500"/>
+            <a:normAutofit fontScale="92500" lnSpcReduction="10000"/>
           </a:bodyPr>
           <a:lstStyle/>
           <a:p>
@@ -8670,27 +8782,30 @@
             </a:r>
           </a:p>
           <a:p>
+            <a:endParaRPr lang="en-GB" dirty="0"/>
+          </a:p>
+          <a:p>
             <a:r>
               <a:rPr lang="en-GB" dirty="0"/>
               <a:t>The t-distribution is like the standard normal distribution (also called z-distribution) except that it takes the sample size into account</a:t>
             </a:r>
           </a:p>
           <a:p>
+            <a:endParaRPr lang="en-GB" dirty="0"/>
+          </a:p>
+          <a:p>
             <a:r>
               <a:rPr lang="en-GB" dirty="0"/>
               <a:t>The t-distribution adjusts for how good our estimate is by making the intervals wider as the sample sizes get smaller. </a:t>
             </a:r>
           </a:p>
           <a:p>
+            <a:endParaRPr lang="en-GB" dirty="0"/>
+          </a:p>
+          <a:p>
             <a:r>
               <a:rPr lang="en-GB" dirty="0"/>
               <a:t>As the sample size increases (especially at or above a sample size of 30), the t-confidence interval converges on the normal z-confidence interval. </a:t>
-            </a:r>
-          </a:p>
-          <a:p>
-            <a:r>
-              <a:rPr lang="en-GB" dirty="0"/>
-              <a:t>t-distribution provides the best interval regardless our sample size.</a:t>
             </a:r>
           </a:p>
         </p:txBody>
@@ -8848,81 +8963,86 @@
           <a:lstStyle/>
           <a:p>
             <a:r>
-              <a:rPr lang="en-GB" b="1" dirty="0"/>
+              <a:rPr lang="en-GB" sz="2800" b="1" dirty="0"/>
               <a:t>Problem: </a:t>
             </a:r>
             <a:r>
-              <a:rPr lang="en-GB" dirty="0"/>
-              <a:t>ISO 9241-11 makes the point that there are no specific guidelines on how to measure effectiveness, efficiency, and satisfaction since they depend on: </a:t>
+              <a:rPr lang="en-GB" sz="2800" dirty="0"/>
+              <a:t>ISO 9241-11 makes the point that there are </a:t>
+            </a:r>
+            <a:r>
+              <a:rPr lang="en-GB" sz="2800" b="1" dirty="0"/>
+              <a:t>no specific guidelines</a:t>
+            </a:r>
+            <a:r>
+              <a:rPr lang="en-GB" sz="2800" dirty="0"/>
+              <a:t> on how to measure effectiveness, efficiency, and satisfaction since they depend on: </a:t>
             </a:r>
           </a:p>
           <a:p>
             <a:pPr lvl="1"/>
             <a:r>
-              <a:rPr lang="en-GB" b="1" dirty="0"/>
+              <a:rPr lang="en-GB" sz="2400" b="1" dirty="0"/>
               <a:t>Background/Experience </a:t>
             </a:r>
             <a:r>
-              <a:rPr lang="en-GB" dirty="0"/>
+              <a:rPr lang="en-GB" sz="2400" dirty="0"/>
               <a:t>of the user </a:t>
             </a:r>
           </a:p>
           <a:p>
             <a:pPr lvl="1"/>
             <a:r>
-              <a:rPr lang="en-GB" b="1" dirty="0"/>
+              <a:rPr lang="en-GB" sz="2400" b="1" dirty="0"/>
               <a:t>Task</a:t>
             </a:r>
             <a:r>
-              <a:rPr lang="en-GB" dirty="0"/>
+              <a:rPr lang="en-GB" sz="2400" dirty="0"/>
               <a:t> that the user must perform</a:t>
             </a:r>
           </a:p>
           <a:p>
             <a:pPr lvl="1"/>
             <a:r>
-              <a:rPr lang="en-GB" b="1" dirty="0"/>
+              <a:rPr lang="en-GB" sz="2400" b="1" dirty="0"/>
               <a:t>Environment</a:t>
             </a:r>
             <a:r>
-              <a:rPr lang="en-GB" dirty="0"/>
+              <a:rPr lang="en-GB" sz="2400" dirty="0"/>
               <a:t> in which the task is performed</a:t>
             </a:r>
           </a:p>
           <a:p>
-            <a:endParaRPr lang="en-GB" dirty="0"/>
-          </a:p>
-          <a:p>
-            <a:endParaRPr lang="en-GB" dirty="0"/>
-          </a:p>
-          <a:p>
-            <a:r>
-              <a:rPr lang="en-GB" dirty="0"/>
-              <a:t>There are generally two types of usability tests: finding and fixing usability problems (</a:t>
-            </a:r>
-            <a:r>
-              <a:rPr lang="en-GB" b="1" dirty="0"/>
-              <a:t>formative tests</a:t>
-            </a:r>
-            <a:r>
-              <a:rPr lang="en-GB" dirty="0"/>
-              <a:t>) and describing the usability of an application using metrics (</a:t>
-            </a:r>
-            <a:r>
-              <a:rPr lang="en-GB" b="1" dirty="0"/>
-              <a:t>summative tests</a:t>
-            </a:r>
-            <a:r>
-              <a:rPr lang="en-GB" dirty="0"/>
-              <a:t>)</a:t>
-            </a:r>
-          </a:p>
-          <a:p>
-            <a:endParaRPr lang="en-GB" dirty="0"/>
+            <a:endParaRPr lang="en-GB" sz="2800" dirty="0"/>
+          </a:p>
+          <a:p>
+            <a:endParaRPr lang="en-GB" sz="2800" dirty="0"/>
+          </a:p>
+          <a:p>
+            <a:r>
+              <a:rPr lang="en-GB" sz="2800" dirty="0"/>
+              <a:t>There are generally two types of usability tests:</a:t>
+            </a:r>
           </a:p>
           <a:p>
             <a:pPr lvl="1"/>
-            <a:endParaRPr lang="en-GB" dirty="0"/>
+            <a:r>
+              <a:rPr lang="en-GB" sz="2400" b="1" dirty="0"/>
+              <a:t>Formative tests</a:t>
+            </a:r>
+            <a:endParaRPr lang="en-GB" sz="2400" dirty="0"/>
+          </a:p>
+          <a:p>
+            <a:pPr lvl="1"/>
+            <a:r>
+              <a:rPr lang="en-GB" sz="2400" b="1" dirty="0"/>
+              <a:t>Summative tests</a:t>
+            </a:r>
+            <a:endParaRPr lang="en-GB" sz="2400" dirty="0"/>
+          </a:p>
+          <a:p>
+            <a:pPr lvl="1"/>
+            <a:endParaRPr lang="en-GB" sz="2400" dirty="0"/>
           </a:p>
         </p:txBody>
       </p:sp>
@@ -9061,43 +9181,163 @@
           </a:p>
         </p:txBody>
       </p:sp>
-      <p:sp>
-        <p:nvSpPr>
-          <p:cNvPr id="3" name="Segnaposto contenuto 2">
-            <a:extLst>
-              <a:ext uri="{FF2B5EF4-FFF2-40B4-BE49-F238E27FC236}">
-                <a16:creationId xmlns:a16="http://schemas.microsoft.com/office/drawing/2014/main" id="{38589056-1BA2-621A-BE57-82F12D8ED122}"/>
-              </a:ext>
-            </a:extLst>
-          </p:cNvPr>
-          <p:cNvSpPr>
-            <a:spLocks noGrp="1"/>
-          </p:cNvSpPr>
-          <p:nvPr>
-            <p:ph idx="1"/>
-          </p:nvPr>
-        </p:nvSpPr>
-        <p:spPr>
-          <a:xfrm>
-            <a:off x="551215" y="1240077"/>
-            <a:ext cx="10483930" cy="4173587"/>
-          </a:xfrm>
-        </p:spPr>
-        <p:txBody>
-          <a:bodyPr>
-            <a:normAutofit/>
-          </a:bodyPr>
-          <a:lstStyle/>
-          <a:p>
-            <a:r>
-              <a:rPr lang="en-GB" dirty="0"/>
-              <a:t>The t-confidence interval takes the following form:</a:t>
-            </a:r>
-          </a:p>
-        </p:txBody>
-      </p:sp>
       <mc:AlternateContent xmlns:mc="http://schemas.openxmlformats.org/markup-compatibility/2006">
         <mc:Choice xmlns:a14="http://schemas.microsoft.com/office/drawing/2010/main" Requires="a14">
+          <p:sp>
+            <p:nvSpPr>
+              <p:cNvPr id="3" name="Segnaposto contenuto 2">
+                <a:extLst>
+                  <a:ext uri="{FF2B5EF4-FFF2-40B4-BE49-F238E27FC236}">
+                    <a16:creationId xmlns:a16="http://schemas.microsoft.com/office/drawing/2014/main" id="{38589056-1BA2-621A-BE57-82F12D8ED122}"/>
+                  </a:ext>
+                </a:extLst>
+              </p:cNvPr>
+              <p:cNvSpPr>
+                <a:spLocks noGrp="1"/>
+              </p:cNvSpPr>
+              <p:nvPr>
+                <p:ph idx="1"/>
+              </p:nvPr>
+            </p:nvSpPr>
+            <p:spPr>
+              <a:xfrm>
+                <a:off x="551215" y="1240076"/>
+                <a:ext cx="10483930" cy="5617911"/>
+              </a:xfrm>
+            </p:spPr>
+            <p:txBody>
+              <a:bodyPr>
+                <a:normAutofit lnSpcReduction="10000"/>
+              </a:bodyPr>
+              <a:lstStyle/>
+              <a:p>
+                <a:r>
+                  <a:rPr lang="en-GB" dirty="0"/>
+                  <a:t>The t-confidence interval takes the following form:</a:t>
+                </a:r>
+              </a:p>
+              <a:p>
+                <a:endParaRPr lang="en-GB" dirty="0"/>
+              </a:p>
+              <a:p>
+                <a:endParaRPr lang="en-GB" dirty="0"/>
+              </a:p>
+              <a:p>
+                <a:endParaRPr lang="en-GB" dirty="0"/>
+              </a:p>
+              <a:p>
+                <a:endParaRPr lang="en-GB" dirty="0"/>
+              </a:p>
+              <a:p>
+                <a:endParaRPr lang="en-GB" dirty="0"/>
+              </a:p>
+              <a:p>
+                <a:endParaRPr lang="en-GB" dirty="0"/>
+              </a:p>
+              <a:p>
+                <a:endParaRPr lang="en-GB" dirty="0"/>
+              </a:p>
+              <a:p>
+                <a:endParaRPr lang="en-GB" dirty="0"/>
+              </a:p>
+              <a:p>
+                <a:endParaRPr lang="en-GB" dirty="0"/>
+              </a:p>
+              <a:p>
+                <a:endParaRPr lang="en-GB" dirty="0"/>
+              </a:p>
+              <a:p>
+                <a:endParaRPr lang="en-GB" dirty="0"/>
+              </a:p>
+              <a:p>
+                <a:r>
+                  <a:rPr lang="en-GB" dirty="0"/>
+                  <a:t>Note: usually you set </a:t>
+                </a:r>
+                <a14:m>
+                  <m:oMath xmlns:m="http://schemas.openxmlformats.org/officeDocument/2006/math">
+                    <m:r>
+                      <a:rPr lang="en-US" i="1" smtClean="0">
+                        <a:latin typeface="Cambria Math" panose="02040503050406030204" pitchFamily="18" charset="0"/>
+                      </a:rPr>
+                      <m:t>𝛼</m:t>
+                    </m:r>
+                  </m:oMath>
+                </a14:m>
+                <a:r>
+                  <a:rPr lang="en-GB" dirty="0"/>
+                  <a:t> and </a:t>
+                </a:r>
+                <a:r>
+                  <a:rPr lang="en-GB" i="1" dirty="0"/>
+                  <a:t>n </a:t>
+                </a:r>
+                <a:r>
+                  <a:rPr lang="en-GB" dirty="0"/>
+                  <a:t>comes from the data</a:t>
+                </a:r>
+              </a:p>
+              <a:p>
+                <a:endParaRPr lang="en-GB" dirty="0"/>
+              </a:p>
+              <a:p>
+                <a:endParaRPr lang="en-GB" dirty="0"/>
+              </a:p>
+              <a:p>
+                <a:endParaRPr lang="en-GB" dirty="0"/>
+              </a:p>
+              <a:p>
+                <a:endParaRPr lang="en-GB" dirty="0"/>
+              </a:p>
+            </p:txBody>
+          </p:sp>
+        </mc:Choice>
+        <mc:Fallback>
+          <p:sp>
+            <p:nvSpPr>
+              <p:cNvPr id="3" name="Segnaposto contenuto 2">
+                <a:extLst>
+                  <a:ext uri="{FF2B5EF4-FFF2-40B4-BE49-F238E27FC236}">
+                    <a16:creationId xmlns:a16="http://schemas.microsoft.com/office/drawing/2014/main" id="{38589056-1BA2-621A-BE57-82F12D8ED122}"/>
+                  </a:ext>
+                </a:extLst>
+              </p:cNvPr>
+              <p:cNvSpPr>
+                <a:spLocks noGrp="1" noRot="1" noChangeAspect="1" noMove="1" noResize="1" noEditPoints="1" noAdjustHandles="1" noChangeArrowheads="1" noChangeShapeType="1" noTextEdit="1"/>
+              </p:cNvSpPr>
+              <p:nvPr>
+                <p:ph idx="1"/>
+              </p:nvPr>
+            </p:nvSpPr>
+            <p:spPr>
+              <a:xfrm>
+                <a:off x="551215" y="1240076"/>
+                <a:ext cx="10483930" cy="5617911"/>
+              </a:xfrm>
+              <a:blipFill>
+                <a:blip r:embed="rId2"/>
+                <a:stretch>
+                  <a:fillRect l="-847" t="-2032"/>
+                </a:stretch>
+              </a:blipFill>
+            </p:spPr>
+            <p:txBody>
+              <a:bodyPr/>
+              <a:lstStyle/>
+              <a:p>
+                <a:r>
+                  <a:rPr lang="en-US">
+                    <a:noFill/>
+                  </a:rPr>
+                  <a:t> </a:t>
+                </a:r>
+              </a:p>
+            </p:txBody>
+          </p:sp>
+        </mc:Fallback>
+      </mc:AlternateContent>
+      <mc:AlternateContent xmlns:mc="http://schemas.openxmlformats.org/markup-compatibility/2006" xmlns:a14="http://schemas.microsoft.com/office/drawing/2010/main">
+        <mc:Choice Requires="a14">
           <p:sp>
             <p:nvSpPr>
               <p:cNvPr id="5" name="TextBox 4">
@@ -9261,7 +9501,7 @@
             </p:txBody>
           </p:sp>
         </mc:Choice>
-        <mc:Fallback>
+        <mc:Fallback xmlns="">
           <p:sp>
             <p:nvSpPr>
               <p:cNvPr id="5" name="TextBox 4">
@@ -9285,7 +9525,7 @@
                 <a:avLst/>
               </a:prstGeom>
               <a:blipFill>
-                <a:blip r:embed="rId2"/>
+                <a:blip r:embed="rId3"/>
                 <a:stretch>
                   <a:fillRect b="-2381"/>
                 </a:stretch>
@@ -9306,8 +9546,8 @@
           </p:sp>
         </mc:Fallback>
       </mc:AlternateContent>
-      <mc:AlternateContent xmlns:mc="http://schemas.openxmlformats.org/markup-compatibility/2006">
-        <mc:Choice xmlns:a14="http://schemas.microsoft.com/office/drawing/2010/main" Requires="a14">
+      <mc:AlternateContent xmlns:mc="http://schemas.openxmlformats.org/markup-compatibility/2006" xmlns:a14="http://schemas.microsoft.com/office/drawing/2010/main">
+        <mc:Choice Requires="a14">
           <p:sp>
             <p:nvSpPr>
               <p:cNvPr id="8" name="Segnaposto contenuto 2">
@@ -9695,7 +9935,7 @@
             </p:txBody>
           </p:sp>
         </mc:Choice>
-        <mc:Fallback>
+        <mc:Fallback xmlns="">
           <p:sp>
             <p:nvSpPr>
               <p:cNvPr id="8" name="Segnaposto contenuto 2">
@@ -9719,7 +9959,7 @@
                 <a:avLst/>
               </a:prstGeom>
               <a:blipFill>
-                <a:blip r:embed="rId3"/>
+                <a:blip r:embed="rId4"/>
                 <a:stretch>
                   <a:fillRect l="-973" t="-3756"/>
                 </a:stretch>
@@ -10604,8 +10844,8 @@
           </a:fontRef>
         </p:style>
       </p:cxnSp>
-      <mc:AlternateContent xmlns:mc="http://schemas.openxmlformats.org/markup-compatibility/2006">
-        <mc:Choice xmlns:a14="http://schemas.microsoft.com/office/drawing/2010/main" Requires="a14">
+      <mc:AlternateContent xmlns:mc="http://schemas.openxmlformats.org/markup-compatibility/2006" xmlns:a14="http://schemas.microsoft.com/office/drawing/2010/main">
+        <mc:Choice Requires="a14">
           <p:sp>
             <p:nvSpPr>
               <p:cNvPr id="42" name="TextBox 41">
@@ -10661,7 +10901,7 @@
             </p:txBody>
           </p:sp>
         </mc:Choice>
-        <mc:Fallback>
+        <mc:Fallback xmlns="">
           <p:sp>
             <p:nvSpPr>
               <p:cNvPr id="42" name="TextBox 41">
@@ -10685,7 +10925,7 @@
                 <a:avLst/>
               </a:prstGeom>
               <a:blipFill>
-                <a:blip r:embed="rId4"/>
+                <a:blip r:embed="rId5"/>
                 <a:stretch>
                   <a:fillRect/>
                 </a:stretch>
@@ -10706,8 +10946,8 @@
           </p:sp>
         </mc:Fallback>
       </mc:AlternateContent>
-      <mc:AlternateContent xmlns:mc="http://schemas.openxmlformats.org/markup-compatibility/2006">
-        <mc:Choice xmlns:a14="http://schemas.microsoft.com/office/drawing/2010/main" Requires="a14">
+      <mc:AlternateContent xmlns:mc="http://schemas.openxmlformats.org/markup-compatibility/2006" xmlns:a14="http://schemas.microsoft.com/office/drawing/2010/main">
+        <mc:Choice Requires="a14">
           <p:sp>
             <p:nvSpPr>
               <p:cNvPr id="43" name="TextBox 42">
@@ -10776,7 +11016,7 @@
             </p:txBody>
           </p:sp>
         </mc:Choice>
-        <mc:Fallback>
+        <mc:Fallback xmlns="">
           <p:sp>
             <p:nvSpPr>
               <p:cNvPr id="43" name="TextBox 42">
@@ -10800,7 +11040,7 @@
                 <a:avLst/>
               </a:prstGeom>
               <a:blipFill>
-                <a:blip r:embed="rId5"/>
+                <a:blip r:embed="rId6"/>
                 <a:stretch>
                   <a:fillRect b="-6667"/>
                 </a:stretch>
@@ -10821,8 +11061,8 @@
           </p:sp>
         </mc:Fallback>
       </mc:AlternateContent>
-      <mc:AlternateContent xmlns:mc="http://schemas.openxmlformats.org/markup-compatibility/2006">
-        <mc:Choice xmlns:a14="http://schemas.microsoft.com/office/drawing/2010/main" Requires="a14">
+      <mc:AlternateContent xmlns:mc="http://schemas.openxmlformats.org/markup-compatibility/2006" xmlns:a14="http://schemas.microsoft.com/office/drawing/2010/main">
+        <mc:Choice Requires="a14">
           <p:sp>
             <p:nvSpPr>
               <p:cNvPr id="44" name="TextBox 43">
@@ -10891,7 +11131,7 @@
             </p:txBody>
           </p:sp>
         </mc:Choice>
-        <mc:Fallback>
+        <mc:Fallback xmlns="">
           <p:sp>
             <p:nvSpPr>
               <p:cNvPr id="44" name="TextBox 43">
@@ -10915,7 +11155,7 @@
                 <a:avLst/>
               </a:prstGeom>
               <a:blipFill>
-                <a:blip r:embed="rId6"/>
+                <a:blip r:embed="rId7"/>
                 <a:stretch>
                   <a:fillRect b="-4444"/>
                 </a:stretch>
@@ -11035,8 +11275,8 @@
           </a:p>
         </p:txBody>
       </p:sp>
-      <mc:AlternateContent xmlns:mc="http://schemas.openxmlformats.org/markup-compatibility/2006">
-        <mc:Choice xmlns:a14="http://schemas.microsoft.com/office/drawing/2010/main" Requires="a14">
+      <mc:AlternateContent xmlns:mc="http://schemas.openxmlformats.org/markup-compatibility/2006" xmlns:a14="http://schemas.microsoft.com/office/drawing/2010/main">
+        <mc:Choice Requires="a14">
           <p:sp>
             <p:nvSpPr>
               <p:cNvPr id="3" name="Segnaposto contenuto 2">
@@ -11186,7 +11426,7 @@
             </p:txBody>
           </p:sp>
         </mc:Choice>
-        <mc:Fallback>
+        <mc:Fallback xmlns="">
           <p:sp>
             <p:nvSpPr>
               <p:cNvPr id="3" name="Segnaposto contenuto 2">
@@ -11405,7 +11645,11 @@
           <a:p>
             <a:r>
               <a:rPr lang="en-GB" dirty="0"/>
-              <a:t>From this data we want to generate the CI at 95%.</a:t>
+              <a:t>From this data </a:t>
+            </a:r>
+            <a:r>
+              <a:rPr lang="en-GB" b="1" dirty="0"/>
+              <a:t>we want to generate the CI at 95%.</a:t>
             </a:r>
           </a:p>
           <a:p>
@@ -11443,8 +11687,8 @@
           </a:p>
         </p:txBody>
       </p:sp>
-      <mc:AlternateContent xmlns:mc="http://schemas.openxmlformats.org/markup-compatibility/2006">
-        <mc:Choice xmlns:a14="http://schemas.microsoft.com/office/drawing/2010/main" Requires="a14">
+      <mc:AlternateContent xmlns:mc="http://schemas.openxmlformats.org/markup-compatibility/2006" xmlns:a14="http://schemas.microsoft.com/office/drawing/2010/main">
+        <mc:Choice Requires="a14">
           <p:sp>
             <p:nvSpPr>
               <p:cNvPr id="5" name="TextBox 4">
@@ -11627,19 +11871,7 @@
                             <a:rPr lang="en-US" b="0" i="1" smtClean="0">
                               <a:latin typeface="Cambria Math" panose="02040503050406030204" pitchFamily="18" charset="0"/>
                             </a:rPr>
-                            <m:t>(0.</m:t>
-                          </m:r>
-                          <m:r>
-                            <a:rPr lang="en-US" b="0" i="1" smtClean="0">
-                              <a:latin typeface="Cambria Math" panose="02040503050406030204" pitchFamily="18" charset="0"/>
-                            </a:rPr>
-                            <m:t>9</m:t>
-                          </m:r>
-                          <m:r>
-                            <a:rPr lang="en-US" b="0" i="1" smtClean="0">
-                              <a:latin typeface="Cambria Math" panose="02040503050406030204" pitchFamily="18" charset="0"/>
-                            </a:rPr>
-                            <m:t>5,4)</m:t>
+                            <m:t>(0.95,4)</m:t>
                           </m:r>
                         </m:sub>
                       </m:sSub>
@@ -11737,7 +11969,7 @@
             </p:txBody>
           </p:sp>
         </mc:Choice>
-        <mc:Fallback>
+        <mc:Fallback xmlns="">
           <p:sp>
             <p:nvSpPr>
               <p:cNvPr id="5" name="TextBox 4">
@@ -12234,15 +12466,20 @@
             </a:r>
           </a:p>
           <a:p>
-            <a:r>
-              <a:rPr lang="en-GB" dirty="0"/>
-              <a:t>The advantages are that you can attribute differences in measurements to differences between products, and you can detect smaller differences with the same sample size.</a:t>
-            </a:r>
-          </a:p>
-          <a:p>
-            <a:r>
-              <a:rPr lang="en-GB" dirty="0"/>
-              <a:t>To determine if the different scores are statistically different, we can use the paired t-test. </a:t>
+            <a:endParaRPr lang="en-GB" dirty="0"/>
+          </a:p>
+          <a:p>
+            <a:r>
+              <a:rPr lang="en-GB" dirty="0"/>
+              <a:t>To determine if the different scores are statistically different, we can use the </a:t>
+            </a:r>
+            <a:r>
+              <a:rPr lang="en-GB" b="1" dirty="0"/>
+              <a:t>paired t-test</a:t>
+            </a:r>
+            <a:r>
+              <a:rPr lang="en-GB" dirty="0"/>
+              <a:t>: </a:t>
             </a:r>
           </a:p>
           <a:p>
@@ -12266,7 +12503,7 @@
             </p:nvSpPr>
             <p:spPr>
               <a:xfrm>
-                <a:off x="3827196" y="5345725"/>
+                <a:off x="3674796" y="4990280"/>
                 <a:ext cx="1173346" cy="1078565"/>
               </a:xfrm>
               <a:prstGeom prst="rect">
@@ -12412,7 +12649,7 @@
             </p:nvSpPr>
             <p:spPr>
               <a:xfrm>
-                <a:off x="3827196" y="5345725"/>
+                <a:off x="3674796" y="4990280"/>
                 <a:ext cx="1173346" cy="1078565"/>
               </a:xfrm>
               <a:prstGeom prst="rect">
@@ -12421,7 +12658,7 @@
               <a:blipFill>
                 <a:blip r:embed="rId2"/>
                 <a:stretch>
-                  <a:fillRect b="-2326"/>
+                  <a:fillRect b="-1163"/>
                 </a:stretch>
               </a:blipFill>
             </p:spPr>
@@ -12458,7 +12695,7 @@
             </p:nvSpPr>
             <p:spPr>
               <a:xfrm>
-                <a:off x="6112329" y="5247249"/>
+                <a:off x="6112329" y="4888840"/>
                 <a:ext cx="5684157" cy="1650072"/>
               </a:xfrm>
               <a:prstGeom prst="rect">
@@ -12736,7 +12973,7 @@
             </p:nvSpPr>
             <p:spPr>
               <a:xfrm>
-                <a:off x="6112329" y="5247249"/>
+                <a:off x="6112329" y="4888840"/>
                 <a:ext cx="5684157" cy="1650072"/>
               </a:xfrm>
               <a:prstGeom prst="rect">
@@ -12745,7 +12982,7 @@
               <a:blipFill>
                 <a:blip r:embed="rId3"/>
                 <a:stretch>
-                  <a:fillRect l="-670" t="-4615"/>
+                  <a:fillRect l="-670" t="-3788"/>
                 </a:stretch>
               </a:blipFill>
             </p:spPr>
@@ -13009,8 +13246,8 @@
           </a:prstGeom>
         </p:spPr>
       </p:pic>
-      <mc:AlternateContent xmlns:mc="http://schemas.openxmlformats.org/markup-compatibility/2006">
-        <mc:Choice xmlns:a14="http://schemas.microsoft.com/office/drawing/2010/main" Requires="a14">
+      <mc:AlternateContent xmlns:mc="http://schemas.openxmlformats.org/markup-compatibility/2006" xmlns:a14="http://schemas.microsoft.com/office/drawing/2010/main">
+        <mc:Choice Requires="a14">
           <p:sp>
             <p:nvSpPr>
               <p:cNvPr id="6" name="TextBox 5">
@@ -13254,7 +13491,7 @@
             </p:txBody>
           </p:sp>
         </mc:Choice>
-        <mc:Fallback>
+        <mc:Fallback xmlns="">
           <p:sp>
             <p:nvSpPr>
               <p:cNvPr id="6" name="TextBox 5">
@@ -13535,13 +13772,21 @@
           <a:p>
             <a:r>
               <a:rPr lang="en-GB" dirty="0"/>
-              <a:t>To determine whether there is a significant difference between means of independent samples of users, we use the two-sample t-test (also called t-test on independent means). It uses the following formula:</a:t>
+              <a:t>To determine whether there is a significant difference between means of independent samples of users, we use the </a:t>
+            </a:r>
+            <a:r>
+              <a:rPr lang="en-GB" b="1" dirty="0"/>
+              <a:t>two-sample t-test </a:t>
+            </a:r>
+            <a:r>
+              <a:rPr lang="en-GB" dirty="0"/>
+              <a:t>(also called t-test on independent means). It uses the following formula:</a:t>
             </a:r>
           </a:p>
         </p:txBody>
       </p:sp>
-      <mc:AlternateContent xmlns:mc="http://schemas.openxmlformats.org/markup-compatibility/2006">
-        <mc:Choice xmlns:a14="http://schemas.microsoft.com/office/drawing/2010/main" Requires="a14">
+      <mc:AlternateContent xmlns:mc="http://schemas.openxmlformats.org/markup-compatibility/2006" xmlns:a14="http://schemas.microsoft.com/office/drawing/2010/main">
+        <mc:Choice Requires="a14">
           <p:sp>
             <p:nvSpPr>
               <p:cNvPr id="5" name="TextBox 4">
@@ -13851,7 +14096,7 @@
             </p:txBody>
           </p:sp>
         </mc:Choice>
-        <mc:Fallback>
+        <mc:Fallback xmlns="">
           <p:sp>
             <p:nvSpPr>
               <p:cNvPr id="5" name="TextBox 4">
@@ -13896,8 +14141,8 @@
           </p:sp>
         </mc:Fallback>
       </mc:AlternateContent>
-      <mc:AlternateContent xmlns:mc="http://schemas.openxmlformats.org/markup-compatibility/2006">
-        <mc:Choice xmlns:a14="http://schemas.microsoft.com/office/drawing/2010/main" Requires="a14">
+      <mc:AlternateContent xmlns:mc="http://schemas.openxmlformats.org/markup-compatibility/2006" xmlns:a14="http://schemas.microsoft.com/office/drawing/2010/main">
+        <mc:Choice Requires="a14">
           <p:sp>
             <p:nvSpPr>
               <p:cNvPr id="6" name="Segnaposto contenuto 2">
@@ -14297,7 +14542,7 @@
             </p:txBody>
           </p:sp>
         </mc:Choice>
-        <mc:Fallback>
+        <mc:Fallback xmlns="">
           <p:sp>
             <p:nvSpPr>
               <p:cNvPr id="6" name="Segnaposto contenuto 2">
@@ -14675,8 +14920,8 @@
           </a:fontRef>
         </p:style>
       </p:cxnSp>
-      <mc:AlternateContent xmlns:mc="http://schemas.openxmlformats.org/markup-compatibility/2006">
-        <mc:Choice xmlns:a14="http://schemas.microsoft.com/office/drawing/2010/main" Requires="a14">
+      <mc:AlternateContent xmlns:mc="http://schemas.openxmlformats.org/markup-compatibility/2006" xmlns:a14="http://schemas.microsoft.com/office/drawing/2010/main">
+        <mc:Choice Requires="a14">
           <p:sp>
             <p:nvSpPr>
               <p:cNvPr id="5" name="TextBox 4">
@@ -15000,19 +15245,7 @@
                           <a:rPr lang="en-US" sz="2400" b="0" i="1" smtClean="0">
                             <a:latin typeface="Cambria Math" panose="02040503050406030204" pitchFamily="18" charset="0"/>
                           </a:rPr>
-                          <m:t>7</m:t>
-                        </m:r>
-                        <m:r>
-                          <a:rPr lang="en-US" sz="2400" b="0" i="1" smtClean="0">
-                            <a:latin typeface="Cambria Math" panose="02040503050406030204" pitchFamily="18" charset="0"/>
-                          </a:rPr>
-                          <m:t>8</m:t>
-                        </m:r>
-                        <m:r>
-                          <a:rPr lang="en-US" sz="2400" b="0" i="1" smtClean="0">
-                            <a:latin typeface="Cambria Math" panose="02040503050406030204" pitchFamily="18" charset="0"/>
-                          </a:rPr>
-                          <m:t>−90</m:t>
+                          <m:t>78−90</m:t>
                         </m:r>
                       </m:num>
                       <m:den>
@@ -15106,13 +15339,7 @@
                           <a:rPr lang="en-US" sz="2400" b="0" i="1" smtClean="0">
                             <a:latin typeface="Cambria Math" panose="02040503050406030204" pitchFamily="18" charset="0"/>
                           </a:rPr>
-                          <m:t>−</m:t>
-                        </m:r>
-                        <m:r>
-                          <a:rPr lang="en-US" sz="2400" b="0" i="1" smtClean="0">
-                            <a:latin typeface="Cambria Math" panose="02040503050406030204" pitchFamily="18" charset="0"/>
-                          </a:rPr>
-                          <m:t>12</m:t>
+                          <m:t>−12</m:t>
                         </m:r>
                       </m:num>
                       <m:den>
@@ -15134,13 +15361,7 @@
                       <a:rPr lang="en-US" sz="2400" b="0" i="1" smtClean="0">
                         <a:latin typeface="Cambria Math" panose="02040503050406030204" pitchFamily="18" charset="0"/>
                       </a:rPr>
-                      <m:t>=−2.3</m:t>
-                    </m:r>
-                    <m:r>
-                      <a:rPr lang="en-US" sz="2400" b="0" i="1" smtClean="0">
-                        <a:latin typeface="Cambria Math" panose="02040503050406030204" pitchFamily="18" charset="0"/>
-                      </a:rPr>
-                      <m:t>48=2.348</m:t>
+                      <m:t>=−2.348=2.348</m:t>
                     </m:r>
                   </m:oMath>
                 </a14:m>
@@ -15149,7 +15370,7 @@
             </p:txBody>
           </p:sp>
         </mc:Choice>
-        <mc:Fallback>
+        <mc:Fallback xmlns="">
           <p:sp>
             <p:nvSpPr>
               <p:cNvPr id="5" name="TextBox 4">
@@ -15704,7 +15925,7 @@
             </a:r>
             <a:r>
               <a:rPr lang="en-GB" dirty="0"/>
-              <a:t>have the aim of describing the usability of an application using metrics. Thy are of two types: benchmark and comparative</a:t>
+              <a:t>have the aim of describing the usability of an application using metrics. They are of two types: benchmark and comparative</a:t>
             </a:r>
           </a:p>
           <a:p>
@@ -15901,8 +16122,8 @@
           </a:p>
         </p:txBody>
       </p:sp>
-      <mc:AlternateContent xmlns:mc="http://schemas.openxmlformats.org/markup-compatibility/2006">
-        <mc:Choice xmlns:a14="http://schemas.microsoft.com/office/drawing/2010/main" Requires="a14">
+      <mc:AlternateContent xmlns:mc="http://schemas.openxmlformats.org/markup-compatibility/2006" xmlns:a14="http://schemas.microsoft.com/office/drawing/2010/main">
+        <mc:Choice Requires="a14">
           <p:sp>
             <p:nvSpPr>
               <p:cNvPr id="3" name="Segnaposto contenuto 2">
@@ -16059,13 +16280,7 @@
                           <a:rPr lang="en-US" b="0" i="1" smtClean="0">
                             <a:latin typeface="Cambria Math" panose="02040503050406030204" pitchFamily="18" charset="0"/>
                           </a:rPr>
-                          <m:t>%</m:t>
-                        </m:r>
-                        <m:r>
-                          <a:rPr lang="en-US" b="0" i="1" smtClean="0">
-                            <a:latin typeface="Cambria Math" panose="02040503050406030204" pitchFamily="18" charset="0"/>
-                          </a:rPr>
-                          <m:t> ∗</m:t>
+                          <m:t>% ∗</m:t>
                         </m:r>
                         <m:r>
                           <a:rPr lang="en-US" b="0" i="1" smtClean="0">
@@ -16106,7 +16321,7 @@
             </p:txBody>
           </p:sp>
         </mc:Choice>
-        <mc:Fallback>
+        <mc:Fallback xmlns="">
           <p:sp>
             <p:nvSpPr>
               <p:cNvPr id="3" name="Segnaposto contenuto 2">

--- a/theory_11-usability_evaluation/theory_11-usability_evaluation.pptx
+++ b/theory_11-usability_evaluation/theory_11-usability_evaluation.pptx
@@ -22,9 +22,9 @@
     <p:sldId id="437" r:id="rId13"/>
     <p:sldId id="421" r:id="rId14"/>
     <p:sldId id="423" r:id="rId15"/>
-    <p:sldId id="447" r:id="rId16"/>
-    <p:sldId id="448" r:id="rId17"/>
-    <p:sldId id="446" r:id="rId18"/>
+    <p:sldId id="446" r:id="rId16"/>
+    <p:sldId id="447" r:id="rId17"/>
+    <p:sldId id="448" r:id="rId18"/>
     <p:sldId id="465" r:id="rId19"/>
     <p:sldId id="466" r:id="rId20"/>
     <p:sldId id="442" r:id="rId21"/>
@@ -234,7 +234,7 @@
           <a:p>
             <a:fld id="{251090E0-FB0C-49E9-9864-9F53EABEA96F}" type="datetimeFigureOut">
               <a:rPr lang="en-GB" smtClean="0"/>
-              <a:t>04/05/2024</a:t>
+              <a:t>06/05/2024</a:t>
             </a:fld>
             <a:endParaRPr lang="en-GB"/>
           </a:p>
@@ -2573,7 +2573,7 @@
         </p:spPr>
         <p:txBody>
           <a:bodyPr>
-            <a:normAutofit fontScale="92500" lnSpcReduction="20000"/>
+            <a:normAutofit/>
           </a:bodyPr>
           <a:lstStyle/>
           <a:p>
@@ -2641,27 +2641,6 @@
             </a:r>
           </a:p>
           <a:p>
-            <a:pPr lvl="1"/>
-            <a:r>
-              <a:rPr lang="en-GB" dirty="0"/>
-              <a:t>Content validity</a:t>
-            </a:r>
-          </a:p>
-          <a:p>
-            <a:pPr lvl="1"/>
-            <a:r>
-              <a:rPr lang="en-GB" dirty="0"/>
-              <a:t>Criterion-related validity</a:t>
-            </a:r>
-          </a:p>
-          <a:p>
-            <a:pPr lvl="1"/>
-            <a:r>
-              <a:rPr lang="en-GB" dirty="0"/>
-              <a:t>Construct validity</a:t>
-            </a:r>
-          </a:p>
-          <a:p>
             <a:endParaRPr lang="en-GB" dirty="0"/>
           </a:p>
           <a:p>
@@ -2682,14 +2661,9 @@
             </a:r>
           </a:p>
           <a:p>
-            <a:pPr lvl="1"/>
-            <a:r>
-              <a:rPr lang="en-GB" dirty="0"/>
-              <a:t>There is no direct measurement of sensitivity.</a:t>
-            </a:r>
-          </a:p>
-          <a:p>
-            <a:pPr lvl="1"/>
+            <a:pPr marL="457200" lvl="1" indent="0">
+              <a:buNone/>
+            </a:pPr>
             <a:endParaRPr lang="en-GB" dirty="0"/>
           </a:p>
         </p:txBody>
@@ -4011,19 +3985,11 @@
           <a:p>
             <a:r>
               <a:rPr lang="it-IT" dirty="0" err="1"/>
-              <a:t>Psychometric</a:t>
+              <a:t>Example</a:t>
             </a:r>
             <a:r>
               <a:rPr lang="it-IT" dirty="0"/>
-              <a:t> </a:t>
-            </a:r>
-            <a:r>
-              <a:rPr lang="it-IT" dirty="0" err="1"/>
-              <a:t>evaluation</a:t>
-            </a:r>
-            <a:r>
-              <a:rPr lang="it-IT" dirty="0"/>
-              <a:t> of SUS</a:t>
+              <a:t> – Overall SUS</a:t>
             </a:r>
             <a:endParaRPr lang="en-GB" dirty="0"/>
           </a:p>
@@ -4076,83 +4042,590 @@
         </p:nvSpPr>
         <p:spPr>
           <a:xfrm>
-            <a:off x="551214" y="1240077"/>
-            <a:ext cx="10920349" cy="5481398"/>
+            <a:off x="297383" y="1243107"/>
+            <a:ext cx="5059876" cy="5295805"/>
           </a:xfrm>
         </p:spPr>
         <p:txBody>
           <a:bodyPr>
-            <a:normAutofit/>
+            <a:normAutofit fontScale="85000" lnSpcReduction="20000"/>
           </a:bodyPr>
           <a:lstStyle/>
           <a:p>
             <a:r>
               <a:rPr lang="en-GB" dirty="0"/>
-              <a:t>According to an investigation of the psychometric properties of the SUS (from 2324 SUS questionnaires), </a:t>
+              <a:t>For items 1, 3, 5, 7, and 9 (the positively worded items) the score contribution is the scale position minus 1:</a:t>
+            </a:r>
+          </a:p>
+          <a:p>
+            <a:endParaRPr lang="en-GB" dirty="0"/>
+          </a:p>
+          <a:p>
+            <a:pPr marL="0" indent="0">
+              <a:buNone/>
+            </a:pPr>
+            <a:r>
+              <a:rPr lang="en-GB" dirty="0"/>
+              <a:t>(3-1) + (4-1) + (4-1) + (3-1) + (5-1) = 16</a:t>
+            </a:r>
+          </a:p>
+          <a:p>
+            <a:endParaRPr lang="en-GB" dirty="0"/>
+          </a:p>
+          <a:p>
+            <a:r>
+              <a:rPr lang="en-GB" dirty="0"/>
+              <a:t>For items 2, 4, 6, 8, and 10 (the negatively worded items), the contribution is 5 minus the scale position:</a:t>
+            </a:r>
+          </a:p>
+          <a:p>
+            <a:pPr marL="0" indent="0">
+              <a:buNone/>
+            </a:pPr>
+            <a:endParaRPr lang="en-GB" dirty="0"/>
+          </a:p>
+          <a:p>
+            <a:pPr marL="0" indent="0">
+              <a:buNone/>
+            </a:pPr>
+            <a:r>
+              <a:rPr lang="en-GB" dirty="0"/>
+              <a:t>(5-2) + (5-2) + (5-1) + (5-3) + (5-2) = 15</a:t>
+            </a:r>
+          </a:p>
+          <a:p>
+            <a:pPr marL="0" indent="0">
+              <a:buNone/>
+            </a:pPr>
+            <a:endParaRPr lang="en-GB" dirty="0"/>
+          </a:p>
+          <a:p>
+            <a:r>
+              <a:rPr lang="en-GB" dirty="0"/>
+              <a:t>You then multiply the sum of the scores by 2.5 to obtain the overall value of SUS:</a:t>
+            </a:r>
+          </a:p>
+          <a:p>
+            <a:pPr marL="0" indent="0">
+              <a:buNone/>
+            </a:pPr>
+            <a:endParaRPr lang="en-GB" dirty="0"/>
+          </a:p>
+          <a:p>
+            <a:pPr marL="0" indent="0">
+              <a:buNone/>
+            </a:pPr>
+            <a:r>
+              <a:rPr lang="en-GB" dirty="0"/>
+              <a:t>(16 + 15) x 2.5 = </a:t>
             </a:r>
             <a:r>
               <a:rPr lang="en-GB" b="1" dirty="0"/>
-              <a:t>two factors </a:t>
-            </a:r>
-            <a:r>
-              <a:rPr lang="en-GB" dirty="0"/>
-              <a:t>can be identified in the SUS questionnaire:</a:t>
-            </a:r>
-          </a:p>
-          <a:p>
-            <a:pPr lvl="1"/>
-            <a:r>
-              <a:rPr lang="en-GB" dirty="0"/>
-              <a:t>Items 1, 2, 3, 5, 6, 7, 8, and 9 quantify the “</a:t>
-            </a:r>
-            <a:r>
-              <a:rPr lang="en-GB" b="1" dirty="0"/>
-              <a:t>Usable</a:t>
-            </a:r>
-            <a:r>
-              <a:rPr lang="en-GB" dirty="0"/>
-              <a:t>” factor</a:t>
-            </a:r>
-          </a:p>
-          <a:p>
-            <a:pPr lvl="1"/>
-            <a:r>
-              <a:rPr lang="en-GB" dirty="0"/>
-              <a:t>Items 4 and 10 quantify the “</a:t>
-            </a:r>
-            <a:r>
-              <a:rPr lang="en-GB" b="1" dirty="0"/>
-              <a:t>Learnable</a:t>
-            </a:r>
-            <a:r>
-              <a:rPr lang="en-GB" dirty="0"/>
-              <a:t>” factor</a:t>
-            </a:r>
-          </a:p>
-          <a:p>
-            <a:endParaRPr lang="en-GB" dirty="0"/>
-          </a:p>
-          <a:p>
-            <a:r>
-              <a:rPr lang="en-GB" dirty="0"/>
-              <a:t>To make the Usable and Learnable scores comparable with the Overall SUS score so they also range from 0 to 100, just multiply their summed score contributions by 3.125 for Usable and 12.5 for Learnable. </a:t>
-            </a:r>
-          </a:p>
-          <a:p>
-            <a:endParaRPr lang="en-GB" dirty="0"/>
-          </a:p>
-          <a:p>
-            <a:r>
-              <a:rPr lang="en-GB" dirty="0"/>
-              <a:t>The two subscale reliabilities were 0.91 for Usable and 0.70 for Learnable. </a:t>
-            </a:r>
+              <a:t>77.5</a:t>
+            </a:r>
+          </a:p>
+        </p:txBody>
+      </p:sp>
+      <p:pic>
+        <p:nvPicPr>
+          <p:cNvPr id="5" name="Picture 4" descr="A white and black checklist with black text&#10;&#10;Description automatically generated">
+            <a:extLst>
+              <a:ext uri="{FF2B5EF4-FFF2-40B4-BE49-F238E27FC236}">
+                <a16:creationId xmlns:a16="http://schemas.microsoft.com/office/drawing/2014/main" id="{9B602512-DEAB-C494-6D88-3EB020C55DBC}"/>
+              </a:ext>
+            </a:extLst>
+          </p:cNvPr>
+          <p:cNvPicPr>
+            <a:picLocks noChangeAspect="1"/>
+          </p:cNvPicPr>
+          <p:nvPr/>
+        </p:nvPicPr>
+        <p:blipFill>
+          <a:blip r:embed="rId2">
+            <a:extLst>
+              <a:ext uri="{28A0092B-C50C-407E-A947-70E740481C1C}">
+                <a14:useLocalDpi xmlns:a14="http://schemas.microsoft.com/office/drawing/2010/main" val="0"/>
+              </a:ext>
+            </a:extLst>
+          </a:blip>
+          <a:stretch>
+            <a:fillRect/>
+          </a:stretch>
+        </p:blipFill>
+        <p:spPr>
+          <a:xfrm>
+            <a:off x="5432302" y="1356302"/>
+            <a:ext cx="6605979" cy="4182053"/>
+          </a:xfrm>
+          <a:prstGeom prst="rect">
+            <a:avLst/>
+          </a:prstGeom>
+        </p:spPr>
+      </p:pic>
+      <p:sp>
+        <p:nvSpPr>
+          <p:cNvPr id="6" name="5-Point Star 5">
+            <a:extLst>
+              <a:ext uri="{FF2B5EF4-FFF2-40B4-BE49-F238E27FC236}">
+                <a16:creationId xmlns:a16="http://schemas.microsoft.com/office/drawing/2014/main" id="{E6CAD797-D726-B672-3D50-300854E773BF}"/>
+              </a:ext>
+            </a:extLst>
+          </p:cNvPr>
+          <p:cNvSpPr/>
+          <p:nvPr/>
+        </p:nvSpPr>
+        <p:spPr>
+          <a:xfrm>
+            <a:off x="11222183" y="2078183"/>
+            <a:ext cx="207819" cy="207818"/>
+          </a:xfrm>
+          <a:prstGeom prst="star5">
+            <a:avLst/>
+          </a:prstGeom>
+        </p:spPr>
+        <p:style>
+          <a:lnRef idx="2">
+            <a:schemeClr val="accent4">
+              <a:shade val="15000"/>
+            </a:schemeClr>
+          </a:lnRef>
+          <a:fillRef idx="1">
+            <a:schemeClr val="accent4"/>
+          </a:fillRef>
+          <a:effectRef idx="0">
+            <a:schemeClr val="accent4"/>
+          </a:effectRef>
+          <a:fontRef idx="minor">
+            <a:schemeClr val="lt1"/>
+          </a:fontRef>
+        </p:style>
+        <p:txBody>
+          <a:bodyPr rtlCol="0" anchor="ctr"/>
+          <a:lstStyle/>
+          <a:p>
+            <a:pPr algn="ctr"/>
+            <a:endParaRPr lang="en-US"/>
+          </a:p>
+        </p:txBody>
+      </p:sp>
+      <p:sp>
+        <p:nvSpPr>
+          <p:cNvPr id="7" name="5-Point Star 6">
+            <a:extLst>
+              <a:ext uri="{FF2B5EF4-FFF2-40B4-BE49-F238E27FC236}">
+                <a16:creationId xmlns:a16="http://schemas.microsoft.com/office/drawing/2014/main" id="{C43248EF-4609-7326-4BBF-B382001FD5F4}"/>
+              </a:ext>
+            </a:extLst>
+          </p:cNvPr>
+          <p:cNvSpPr/>
+          <p:nvPr/>
+        </p:nvSpPr>
+        <p:spPr>
+          <a:xfrm>
+            <a:off x="10983192" y="2306783"/>
+            <a:ext cx="207819" cy="207818"/>
+          </a:xfrm>
+          <a:prstGeom prst="star5">
+            <a:avLst/>
+          </a:prstGeom>
+        </p:spPr>
+        <p:style>
+          <a:lnRef idx="2">
+            <a:schemeClr val="accent4">
+              <a:shade val="15000"/>
+            </a:schemeClr>
+          </a:lnRef>
+          <a:fillRef idx="1">
+            <a:schemeClr val="accent4"/>
+          </a:fillRef>
+          <a:effectRef idx="0">
+            <a:schemeClr val="accent4"/>
+          </a:effectRef>
+          <a:fontRef idx="minor">
+            <a:schemeClr val="lt1"/>
+          </a:fontRef>
+        </p:style>
+        <p:txBody>
+          <a:bodyPr rtlCol="0" anchor="ctr"/>
+          <a:lstStyle/>
+          <a:p>
+            <a:pPr algn="ctr"/>
+            <a:endParaRPr lang="en-US"/>
+          </a:p>
+        </p:txBody>
+      </p:sp>
+      <p:sp>
+        <p:nvSpPr>
+          <p:cNvPr id="8" name="5-Point Star 7">
+            <a:extLst>
+              <a:ext uri="{FF2B5EF4-FFF2-40B4-BE49-F238E27FC236}">
+                <a16:creationId xmlns:a16="http://schemas.microsoft.com/office/drawing/2014/main" id="{ED8424BB-37DA-7D02-D9A6-08D5F56BFAD1}"/>
+              </a:ext>
+            </a:extLst>
+          </p:cNvPr>
+          <p:cNvSpPr/>
+          <p:nvPr/>
+        </p:nvSpPr>
+        <p:spPr>
+          <a:xfrm>
+            <a:off x="10983191" y="2848734"/>
+            <a:ext cx="207819" cy="207818"/>
+          </a:xfrm>
+          <a:prstGeom prst="star5">
+            <a:avLst/>
+          </a:prstGeom>
+        </p:spPr>
+        <p:style>
+          <a:lnRef idx="2">
+            <a:schemeClr val="accent4">
+              <a:shade val="15000"/>
+            </a:schemeClr>
+          </a:lnRef>
+          <a:fillRef idx="1">
+            <a:schemeClr val="accent4"/>
+          </a:fillRef>
+          <a:effectRef idx="0">
+            <a:schemeClr val="accent4"/>
+          </a:effectRef>
+          <a:fontRef idx="minor">
+            <a:schemeClr val="lt1"/>
+          </a:fontRef>
+        </p:style>
+        <p:txBody>
+          <a:bodyPr rtlCol="0" anchor="ctr"/>
+          <a:lstStyle/>
+          <a:p>
+            <a:pPr algn="ctr"/>
+            <a:endParaRPr lang="en-US"/>
+          </a:p>
+        </p:txBody>
+      </p:sp>
+      <p:sp>
+        <p:nvSpPr>
+          <p:cNvPr id="9" name="5-Point Star 8">
+            <a:extLst>
+              <a:ext uri="{FF2B5EF4-FFF2-40B4-BE49-F238E27FC236}">
+                <a16:creationId xmlns:a16="http://schemas.microsoft.com/office/drawing/2014/main" id="{80E8AA0B-CCFB-F8C7-C3CA-4125E1825F2D}"/>
+              </a:ext>
+            </a:extLst>
+          </p:cNvPr>
+          <p:cNvSpPr/>
+          <p:nvPr/>
+        </p:nvSpPr>
+        <p:spPr>
+          <a:xfrm>
+            <a:off x="11440393" y="2520769"/>
+            <a:ext cx="207819" cy="207818"/>
+          </a:xfrm>
+          <a:prstGeom prst="star5">
+            <a:avLst/>
+          </a:prstGeom>
+        </p:spPr>
+        <p:style>
+          <a:lnRef idx="2">
+            <a:schemeClr val="accent4">
+              <a:shade val="15000"/>
+            </a:schemeClr>
+          </a:lnRef>
+          <a:fillRef idx="1">
+            <a:schemeClr val="accent4"/>
+          </a:fillRef>
+          <a:effectRef idx="0">
+            <a:schemeClr val="accent4"/>
+          </a:effectRef>
+          <a:fontRef idx="minor">
+            <a:schemeClr val="lt1"/>
+          </a:fontRef>
+        </p:style>
+        <p:txBody>
+          <a:bodyPr rtlCol="0" anchor="ctr"/>
+          <a:lstStyle/>
+          <a:p>
+            <a:pPr algn="ctr"/>
+            <a:endParaRPr lang="en-US"/>
+          </a:p>
+        </p:txBody>
+      </p:sp>
+      <p:sp>
+        <p:nvSpPr>
+          <p:cNvPr id="10" name="5-Point Star 9">
+            <a:extLst>
+              <a:ext uri="{FF2B5EF4-FFF2-40B4-BE49-F238E27FC236}">
+                <a16:creationId xmlns:a16="http://schemas.microsoft.com/office/drawing/2014/main" id="{3F79B08E-E611-CBFE-3F4C-E21AD0B4B6A5}"/>
+              </a:ext>
+            </a:extLst>
+          </p:cNvPr>
+          <p:cNvSpPr/>
+          <p:nvPr/>
+        </p:nvSpPr>
+        <p:spPr>
+          <a:xfrm>
+            <a:off x="11440393" y="3313760"/>
+            <a:ext cx="207819" cy="207818"/>
+          </a:xfrm>
+          <a:prstGeom prst="star5">
+            <a:avLst/>
+          </a:prstGeom>
+        </p:spPr>
+        <p:style>
+          <a:lnRef idx="2">
+            <a:schemeClr val="accent4">
+              <a:shade val="15000"/>
+            </a:schemeClr>
+          </a:lnRef>
+          <a:fillRef idx="1">
+            <a:schemeClr val="accent4"/>
+          </a:fillRef>
+          <a:effectRef idx="0">
+            <a:schemeClr val="accent4"/>
+          </a:effectRef>
+          <a:fontRef idx="minor">
+            <a:schemeClr val="lt1"/>
+          </a:fontRef>
+        </p:style>
+        <p:txBody>
+          <a:bodyPr rtlCol="0" anchor="ctr"/>
+          <a:lstStyle/>
+          <a:p>
+            <a:pPr algn="ctr"/>
+            <a:endParaRPr lang="en-US"/>
+          </a:p>
+        </p:txBody>
+      </p:sp>
+      <p:sp>
+        <p:nvSpPr>
+          <p:cNvPr id="11" name="5-Point Star 10">
+            <a:extLst>
+              <a:ext uri="{FF2B5EF4-FFF2-40B4-BE49-F238E27FC236}">
+                <a16:creationId xmlns:a16="http://schemas.microsoft.com/office/drawing/2014/main" id="{C547899A-47FA-3BEC-6567-8AA9C93A262A}"/>
+              </a:ext>
+            </a:extLst>
+          </p:cNvPr>
+          <p:cNvSpPr/>
+          <p:nvPr/>
+        </p:nvSpPr>
+        <p:spPr>
+          <a:xfrm>
+            <a:off x="10744201" y="3773558"/>
+            <a:ext cx="207819" cy="207818"/>
+          </a:xfrm>
+          <a:prstGeom prst="star5">
+            <a:avLst/>
+          </a:prstGeom>
+        </p:spPr>
+        <p:style>
+          <a:lnRef idx="2">
+            <a:schemeClr val="accent4">
+              <a:shade val="15000"/>
+            </a:schemeClr>
+          </a:lnRef>
+          <a:fillRef idx="1">
+            <a:schemeClr val="accent4"/>
+          </a:fillRef>
+          <a:effectRef idx="0">
+            <a:schemeClr val="accent4"/>
+          </a:effectRef>
+          <a:fontRef idx="minor">
+            <a:schemeClr val="lt1"/>
+          </a:fontRef>
+        </p:style>
+        <p:txBody>
+          <a:bodyPr rtlCol="0" anchor="ctr"/>
+          <a:lstStyle/>
+          <a:p>
+            <a:pPr algn="ctr"/>
+            <a:endParaRPr lang="en-US"/>
+          </a:p>
+        </p:txBody>
+      </p:sp>
+      <p:sp>
+        <p:nvSpPr>
+          <p:cNvPr id="12" name="5-Point Star 11">
+            <a:extLst>
+              <a:ext uri="{FF2B5EF4-FFF2-40B4-BE49-F238E27FC236}">
+                <a16:creationId xmlns:a16="http://schemas.microsoft.com/office/drawing/2014/main" id="{CF470B5D-AD47-F429-62C9-1BB513588D6B}"/>
+              </a:ext>
+            </a:extLst>
+          </p:cNvPr>
+          <p:cNvSpPr/>
+          <p:nvPr/>
+        </p:nvSpPr>
+        <p:spPr>
+          <a:xfrm>
+            <a:off x="11242964" y="4572000"/>
+            <a:ext cx="207819" cy="207818"/>
+          </a:xfrm>
+          <a:prstGeom prst="star5">
+            <a:avLst/>
+          </a:prstGeom>
+        </p:spPr>
+        <p:style>
+          <a:lnRef idx="2">
+            <a:schemeClr val="accent4">
+              <a:shade val="15000"/>
+            </a:schemeClr>
+          </a:lnRef>
+          <a:fillRef idx="1">
+            <a:schemeClr val="accent4"/>
+          </a:fillRef>
+          <a:effectRef idx="0">
+            <a:schemeClr val="accent4"/>
+          </a:effectRef>
+          <a:fontRef idx="minor">
+            <a:schemeClr val="lt1"/>
+          </a:fontRef>
+        </p:style>
+        <p:txBody>
+          <a:bodyPr rtlCol="0" anchor="ctr"/>
+          <a:lstStyle/>
+          <a:p>
+            <a:pPr algn="ctr"/>
+            <a:endParaRPr lang="en-US"/>
+          </a:p>
+        </p:txBody>
+      </p:sp>
+      <p:sp>
+        <p:nvSpPr>
+          <p:cNvPr id="13" name="5-Point Star 12">
+            <a:extLst>
+              <a:ext uri="{FF2B5EF4-FFF2-40B4-BE49-F238E27FC236}">
+                <a16:creationId xmlns:a16="http://schemas.microsoft.com/office/drawing/2014/main" id="{9D33071E-FCAE-C61F-17D5-B2C5378F4DAE}"/>
+              </a:ext>
+            </a:extLst>
+          </p:cNvPr>
+          <p:cNvSpPr/>
+          <p:nvPr/>
+        </p:nvSpPr>
+        <p:spPr>
+          <a:xfrm>
+            <a:off x="11656457" y="4779818"/>
+            <a:ext cx="207819" cy="207818"/>
+          </a:xfrm>
+          <a:prstGeom prst="star5">
+            <a:avLst/>
+          </a:prstGeom>
+        </p:spPr>
+        <p:style>
+          <a:lnRef idx="2">
+            <a:schemeClr val="accent4">
+              <a:shade val="15000"/>
+            </a:schemeClr>
+          </a:lnRef>
+          <a:fillRef idx="1">
+            <a:schemeClr val="accent4"/>
+          </a:fillRef>
+          <a:effectRef idx="0">
+            <a:schemeClr val="accent4"/>
+          </a:effectRef>
+          <a:fontRef idx="minor">
+            <a:schemeClr val="lt1"/>
+          </a:fontRef>
+        </p:style>
+        <p:txBody>
+          <a:bodyPr rtlCol="0" anchor="ctr"/>
+          <a:lstStyle/>
+          <a:p>
+            <a:pPr algn="ctr"/>
+            <a:endParaRPr lang="en-US"/>
+          </a:p>
+        </p:txBody>
+      </p:sp>
+      <p:sp>
+        <p:nvSpPr>
+          <p:cNvPr id="14" name="5-Point Star 13">
+            <a:extLst>
+              <a:ext uri="{FF2B5EF4-FFF2-40B4-BE49-F238E27FC236}">
+                <a16:creationId xmlns:a16="http://schemas.microsoft.com/office/drawing/2014/main" id="{3F1405DB-CB4B-0F5C-32A5-A8BB516CBBCE}"/>
+              </a:ext>
+            </a:extLst>
+          </p:cNvPr>
+          <p:cNvSpPr/>
+          <p:nvPr/>
+        </p:nvSpPr>
+        <p:spPr>
+          <a:xfrm>
+            <a:off x="11222182" y="4237867"/>
+            <a:ext cx="207819" cy="207818"/>
+          </a:xfrm>
+          <a:prstGeom prst="star5">
+            <a:avLst/>
+          </a:prstGeom>
+        </p:spPr>
+        <p:style>
+          <a:lnRef idx="2">
+            <a:schemeClr val="accent4">
+              <a:shade val="15000"/>
+            </a:schemeClr>
+          </a:lnRef>
+          <a:fillRef idx="1">
+            <a:schemeClr val="accent4"/>
+          </a:fillRef>
+          <a:effectRef idx="0">
+            <a:schemeClr val="accent4"/>
+          </a:effectRef>
+          <a:fontRef idx="minor">
+            <a:schemeClr val="lt1"/>
+          </a:fontRef>
+        </p:style>
+        <p:txBody>
+          <a:bodyPr rtlCol="0" anchor="ctr"/>
+          <a:lstStyle/>
+          <a:p>
+            <a:pPr algn="ctr"/>
+            <a:endParaRPr lang="en-US"/>
+          </a:p>
+        </p:txBody>
+      </p:sp>
+      <p:sp>
+        <p:nvSpPr>
+          <p:cNvPr id="15" name="5-Point Star 14">
+            <a:extLst>
+              <a:ext uri="{FF2B5EF4-FFF2-40B4-BE49-F238E27FC236}">
+                <a16:creationId xmlns:a16="http://schemas.microsoft.com/office/drawing/2014/main" id="{8AD6248E-338C-B86A-3ACD-D64139EBE639}"/>
+              </a:ext>
+            </a:extLst>
+          </p:cNvPr>
+          <p:cNvSpPr/>
+          <p:nvPr/>
+        </p:nvSpPr>
+        <p:spPr>
+          <a:xfrm>
+            <a:off x="10992509" y="5117630"/>
+            <a:ext cx="207819" cy="207818"/>
+          </a:xfrm>
+          <a:prstGeom prst="star5">
+            <a:avLst/>
+          </a:prstGeom>
+        </p:spPr>
+        <p:style>
+          <a:lnRef idx="2">
+            <a:schemeClr val="accent4">
+              <a:shade val="15000"/>
+            </a:schemeClr>
+          </a:lnRef>
+          <a:fillRef idx="1">
+            <a:schemeClr val="accent4"/>
+          </a:fillRef>
+          <a:effectRef idx="0">
+            <a:schemeClr val="accent4"/>
+          </a:effectRef>
+          <a:fontRef idx="minor">
+            <a:schemeClr val="lt1"/>
+          </a:fontRef>
+        </p:style>
+        <p:txBody>
+          <a:bodyPr rtlCol="0" anchor="ctr"/>
+          <a:lstStyle/>
+          <a:p>
+            <a:pPr algn="ctr"/>
+            <a:endParaRPr lang="en-US"/>
           </a:p>
         </p:txBody>
       </p:sp>
     </p:spTree>
     <p:extLst>
       <p:ext uri="{BB962C8B-B14F-4D97-AF65-F5344CB8AC3E}">
-        <p14:creationId xmlns:p14="http://schemas.microsoft.com/office/powerpoint/2010/main" val="2738536663"/>
+        <p14:creationId xmlns:p14="http://schemas.microsoft.com/office/powerpoint/2010/main" val="2653211012"/>
       </p:ext>
     </p:extLst>
   </p:cSld>
@@ -4203,14 +4676,12 @@
         </p:nvSpPr>
         <p:spPr/>
         <p:txBody>
-          <a:bodyPr>
-            <a:normAutofit fontScale="90000"/>
-          </a:bodyPr>
+          <a:bodyPr/>
           <a:lstStyle/>
           <a:p>
             <a:r>
               <a:rPr lang="it-IT" dirty="0" err="1"/>
-              <a:t>Where</a:t>
+              <a:t>Psychometric</a:t>
             </a:r>
             <a:r>
               <a:rPr lang="it-IT" dirty="0"/>
@@ -4218,19 +4689,11 @@
             </a:r>
             <a:r>
               <a:rPr lang="it-IT" dirty="0" err="1"/>
-              <a:t>did</a:t>
+              <a:t>evaluation</a:t>
             </a:r>
             <a:r>
               <a:rPr lang="it-IT" dirty="0"/>
-              <a:t> the 2.5, 3.125 and 12.5 </a:t>
-            </a:r>
-            <a:r>
-              <a:rPr lang="it-IT" dirty="0" err="1"/>
-              <a:t>multipliers</a:t>
-            </a:r>
-            <a:r>
-              <a:rPr lang="it-IT" dirty="0"/>
-              <a:t> come from? </a:t>
+              <a:t> of SUS</a:t>
             </a:r>
             <a:endParaRPr lang="en-GB" dirty="0"/>
           </a:p>
@@ -4295,58 +4758,63 @@
           <a:p>
             <a:r>
               <a:rPr lang="en-GB" dirty="0"/>
-              <a:t>The standard SUS raw score contributions can range from 0 to 40 (ten items with five scale steps ranging from 0 to 4). To get the multiplier needed to increase the apparent range of the summed scale to 100, divide 100 by the maximum sum of 40, which equals 2.5:</a:t>
-            </a:r>
-          </a:p>
-          <a:p>
-            <a:pPr marL="0" indent="0">
-              <a:buNone/>
-            </a:pPr>
-            <a:r>
-              <a:rPr lang="en-GB" dirty="0"/>
-              <a:t>	100/40 = 2.5</a:t>
-            </a:r>
-          </a:p>
-          <a:p>
-            <a:pPr marL="0" indent="0">
-              <a:buNone/>
-            </a:pPr>
+              <a:t>According to an investigation of the psychometric properties of the SUS (from 2324 SUS questionnaires), </a:t>
+            </a:r>
+            <a:r>
+              <a:rPr lang="en-GB" b="1" dirty="0"/>
+              <a:t>two factors </a:t>
+            </a:r>
+            <a:r>
+              <a:rPr lang="en-GB" dirty="0"/>
+              <a:t>can be identified in the SUS questionnaire:</a:t>
+            </a:r>
+          </a:p>
+          <a:p>
+            <a:pPr lvl="1"/>
+            <a:r>
+              <a:rPr lang="en-GB" dirty="0"/>
+              <a:t>Items 1, 2, 3, 5, 6, 7, 8, and 9 quantify the “</a:t>
+            </a:r>
+            <a:r>
+              <a:rPr lang="en-GB" b="1" dirty="0"/>
+              <a:t>Usable</a:t>
+            </a:r>
+            <a:r>
+              <a:rPr lang="en-GB" dirty="0"/>
+              <a:t>” factor</a:t>
+            </a:r>
+          </a:p>
+          <a:p>
+            <a:pPr lvl="1"/>
+            <a:r>
+              <a:rPr lang="en-GB" dirty="0"/>
+              <a:t>Items 4 and 10 quantify the “</a:t>
+            </a:r>
+            <a:r>
+              <a:rPr lang="en-GB" b="1" dirty="0"/>
+              <a:t>Learnable</a:t>
+            </a:r>
+            <a:r>
+              <a:rPr lang="en-GB" dirty="0"/>
+              <a:t>” factor</a:t>
+            </a:r>
+          </a:p>
+          <a:p>
             <a:endParaRPr lang="en-GB" dirty="0"/>
           </a:p>
           <a:p>
             <a:r>
               <a:rPr lang="en-GB" dirty="0"/>
-              <a:t>Because the Usable subscale has eight items, its range for summed score contributions is 0-32, so its multiplier is:</a:t>
-            </a:r>
-          </a:p>
-          <a:p>
-            <a:pPr marL="0" indent="0">
-              <a:buNone/>
-            </a:pPr>
-            <a:r>
-              <a:rPr lang="en-GB" dirty="0"/>
-              <a:t>	100/32 = 3.125</a:t>
-            </a:r>
-          </a:p>
-          <a:p>
-            <a:pPr marL="0" indent="0">
-              <a:buNone/>
-            </a:pPr>
+              <a:t>To make the Usable and Learnable scores comparable with the Overall SUS score so they also range from 0 to 100, just multiply their summed score contributions by 3.125 for Usable and 12.5 for Learnable. </a:t>
+            </a:r>
+          </a:p>
+          <a:p>
             <a:endParaRPr lang="en-GB" dirty="0"/>
           </a:p>
           <a:p>
             <a:r>
               <a:rPr lang="en-GB" dirty="0"/>
-              <a:t>Following the same process, the multiplier for the Learnable subscale is:</a:t>
-            </a:r>
-          </a:p>
-          <a:p>
-            <a:pPr marL="0" indent="0">
-              <a:buNone/>
-            </a:pPr>
-            <a:r>
-              <a:rPr lang="en-GB" dirty="0"/>
-              <a:t>	100/8 = 12.5</a:t>
+              <a:t>The two subscale reliabilities were 0.91 for Usable and 0.70 for Learnable. </a:t>
             </a:r>
           </a:p>
         </p:txBody>
@@ -4354,7 +4822,7 @@
     </p:spTree>
     <p:extLst>
       <p:ext uri="{BB962C8B-B14F-4D97-AF65-F5344CB8AC3E}">
-        <p14:creationId xmlns:p14="http://schemas.microsoft.com/office/powerpoint/2010/main" val="2379956208"/>
+        <p14:creationId xmlns:p14="http://schemas.microsoft.com/office/powerpoint/2010/main" val="2738536663"/>
       </p:ext>
     </p:extLst>
   </p:cSld>
@@ -4405,16 +4873,34 @@
         </p:nvSpPr>
         <p:spPr/>
         <p:txBody>
-          <a:bodyPr/>
+          <a:bodyPr>
+            <a:normAutofit fontScale="90000"/>
+          </a:bodyPr>
           <a:lstStyle/>
           <a:p>
             <a:r>
               <a:rPr lang="it-IT" dirty="0" err="1"/>
-              <a:t>Example</a:t>
+              <a:t>Where</a:t>
             </a:r>
             <a:r>
               <a:rPr lang="it-IT" dirty="0"/>
-              <a:t> – Overall SUS</a:t>
+              <a:t> </a:t>
+            </a:r>
+            <a:r>
+              <a:rPr lang="it-IT" dirty="0" err="1"/>
+              <a:t>did</a:t>
+            </a:r>
+            <a:r>
+              <a:rPr lang="it-IT" dirty="0"/>
+              <a:t> the 2.5, 3.125 and 12.5 </a:t>
+            </a:r>
+            <a:r>
+              <a:rPr lang="it-IT" dirty="0" err="1"/>
+              <a:t>multipliers</a:t>
+            </a:r>
+            <a:r>
+              <a:rPr lang="it-IT" dirty="0"/>
+              <a:t> come from? </a:t>
             </a:r>
             <a:endParaRPr lang="en-GB" dirty="0"/>
           </a:p>
@@ -4467,23 +4953,20 @@
         </p:nvSpPr>
         <p:spPr>
           <a:xfrm>
-            <a:off x="297383" y="1243107"/>
-            <a:ext cx="5059876" cy="5295805"/>
+            <a:off x="551214" y="1240077"/>
+            <a:ext cx="10920349" cy="5481398"/>
           </a:xfrm>
         </p:spPr>
         <p:txBody>
           <a:bodyPr>
-            <a:normAutofit fontScale="85000" lnSpcReduction="20000"/>
+            <a:normAutofit/>
           </a:bodyPr>
           <a:lstStyle/>
           <a:p>
             <a:r>
               <a:rPr lang="en-GB" dirty="0"/>
-              <a:t>For items 1, 3, 5, 7, and 9 (the positively worded items) the score contribution is the scale position minus 1:</a:t>
-            </a:r>
-          </a:p>
-          <a:p>
-            <a:endParaRPr lang="en-GB" dirty="0"/>
+              <a:t>The standard SUS raw score contributions can range from 0 to 40 (ten items with five scale steps ranging from 0 to 4). To get the multiplier needed to increase the apparent range of the summed scale to 100, divide 100 by the maximum sum of 40, which equals 2.5:</a:t>
+            </a:r>
           </a:p>
           <a:p>
             <a:pPr marL="0" indent="0">
@@ -4491,16 +4974,7 @@
             </a:pPr>
             <a:r>
               <a:rPr lang="en-GB" dirty="0"/>
-              <a:t>(3-1) + (4-1) + (4-1) + (3-1) + (5-1) = 16</a:t>
-            </a:r>
-          </a:p>
-          <a:p>
-            <a:endParaRPr lang="en-GB" dirty="0"/>
-          </a:p>
-          <a:p>
-            <a:r>
-              <a:rPr lang="en-GB" dirty="0"/>
-              <a:t>For items 2, 4, 6, 8, and 10 (the negatively worded items), the contribution is 5 minus the scale position:</a:t>
+              <a:t>	100/40 = 2.5</a:t>
             </a:r>
           </a:p>
           <a:p>
@@ -4510,12 +4984,18 @@
             <a:endParaRPr lang="en-GB" dirty="0"/>
           </a:p>
           <a:p>
+            <a:r>
+              <a:rPr lang="en-GB" dirty="0"/>
+              <a:t>Because the Usable subscale has eight items, its range for summed score contributions is 0-32, so its multiplier is:</a:t>
+            </a:r>
+          </a:p>
+          <a:p>
             <a:pPr marL="0" indent="0">
               <a:buNone/>
             </a:pPr>
             <a:r>
               <a:rPr lang="en-GB" dirty="0"/>
-              <a:t>(5-2) + (5-2) + (5-1) + (5-3) + (5-2) = 15</a:t>
+              <a:t>	100/32 = 3.125</a:t>
             </a:r>
           </a:p>
           <a:p>
@@ -4527,530 +5007,24 @@
           <a:p>
             <a:r>
               <a:rPr lang="en-GB" dirty="0"/>
-              <a:t>You then multiply the sum of the scores by 2.5 to obtain the overall value of SUS:</a:t>
+              <a:t>Following the same process, the multiplier for the Learnable subscale is:</a:t>
             </a:r>
           </a:p>
           <a:p>
             <a:pPr marL="0" indent="0">
               <a:buNone/>
             </a:pPr>
-            <a:endParaRPr lang="en-GB" dirty="0"/>
-          </a:p>
-          <a:p>
-            <a:pPr marL="0" indent="0">
-              <a:buNone/>
-            </a:pPr>
-            <a:r>
-              <a:rPr lang="en-GB" dirty="0"/>
-              <a:t>(16 + 15) x 2.5 = </a:t>
-            </a:r>
-            <a:r>
-              <a:rPr lang="en-GB" b="1" dirty="0"/>
-              <a:t>77.5</a:t>
-            </a:r>
-          </a:p>
-        </p:txBody>
-      </p:sp>
-      <p:pic>
-        <p:nvPicPr>
-          <p:cNvPr id="5" name="Picture 4" descr="A white and black checklist with black text&#10;&#10;Description automatically generated">
-            <a:extLst>
-              <a:ext uri="{FF2B5EF4-FFF2-40B4-BE49-F238E27FC236}">
-                <a16:creationId xmlns:a16="http://schemas.microsoft.com/office/drawing/2014/main" id="{9B602512-DEAB-C494-6D88-3EB020C55DBC}"/>
-              </a:ext>
-            </a:extLst>
-          </p:cNvPr>
-          <p:cNvPicPr>
-            <a:picLocks noChangeAspect="1"/>
-          </p:cNvPicPr>
-          <p:nvPr/>
-        </p:nvPicPr>
-        <p:blipFill>
-          <a:blip r:embed="rId2">
-            <a:extLst>
-              <a:ext uri="{28A0092B-C50C-407E-A947-70E740481C1C}">
-                <a14:useLocalDpi xmlns:a14="http://schemas.microsoft.com/office/drawing/2010/main" val="0"/>
-              </a:ext>
-            </a:extLst>
-          </a:blip>
-          <a:stretch>
-            <a:fillRect/>
-          </a:stretch>
-        </p:blipFill>
-        <p:spPr>
-          <a:xfrm>
-            <a:off x="5432302" y="1356302"/>
-            <a:ext cx="6605979" cy="4182053"/>
-          </a:xfrm>
-          <a:prstGeom prst="rect">
-            <a:avLst/>
-          </a:prstGeom>
-        </p:spPr>
-      </p:pic>
-      <p:sp>
-        <p:nvSpPr>
-          <p:cNvPr id="6" name="5-Point Star 5">
-            <a:extLst>
-              <a:ext uri="{FF2B5EF4-FFF2-40B4-BE49-F238E27FC236}">
-                <a16:creationId xmlns:a16="http://schemas.microsoft.com/office/drawing/2014/main" id="{E6CAD797-D726-B672-3D50-300854E773BF}"/>
-              </a:ext>
-            </a:extLst>
-          </p:cNvPr>
-          <p:cNvSpPr/>
-          <p:nvPr/>
-        </p:nvSpPr>
-        <p:spPr>
-          <a:xfrm>
-            <a:off x="11222183" y="2078183"/>
-            <a:ext cx="207819" cy="207818"/>
-          </a:xfrm>
-          <a:prstGeom prst="star5">
-            <a:avLst/>
-          </a:prstGeom>
-        </p:spPr>
-        <p:style>
-          <a:lnRef idx="2">
-            <a:schemeClr val="accent4">
-              <a:shade val="15000"/>
-            </a:schemeClr>
-          </a:lnRef>
-          <a:fillRef idx="1">
-            <a:schemeClr val="accent4"/>
-          </a:fillRef>
-          <a:effectRef idx="0">
-            <a:schemeClr val="accent4"/>
-          </a:effectRef>
-          <a:fontRef idx="minor">
-            <a:schemeClr val="lt1"/>
-          </a:fontRef>
-        </p:style>
-        <p:txBody>
-          <a:bodyPr rtlCol="0" anchor="ctr"/>
-          <a:lstStyle/>
-          <a:p>
-            <a:pPr algn="ctr"/>
-            <a:endParaRPr lang="en-US"/>
-          </a:p>
-        </p:txBody>
-      </p:sp>
-      <p:sp>
-        <p:nvSpPr>
-          <p:cNvPr id="7" name="5-Point Star 6">
-            <a:extLst>
-              <a:ext uri="{FF2B5EF4-FFF2-40B4-BE49-F238E27FC236}">
-                <a16:creationId xmlns:a16="http://schemas.microsoft.com/office/drawing/2014/main" id="{C43248EF-4609-7326-4BBF-B382001FD5F4}"/>
-              </a:ext>
-            </a:extLst>
-          </p:cNvPr>
-          <p:cNvSpPr/>
-          <p:nvPr/>
-        </p:nvSpPr>
-        <p:spPr>
-          <a:xfrm>
-            <a:off x="10983192" y="2306783"/>
-            <a:ext cx="207819" cy="207818"/>
-          </a:xfrm>
-          <a:prstGeom prst="star5">
-            <a:avLst/>
-          </a:prstGeom>
-        </p:spPr>
-        <p:style>
-          <a:lnRef idx="2">
-            <a:schemeClr val="accent4">
-              <a:shade val="15000"/>
-            </a:schemeClr>
-          </a:lnRef>
-          <a:fillRef idx="1">
-            <a:schemeClr val="accent4"/>
-          </a:fillRef>
-          <a:effectRef idx="0">
-            <a:schemeClr val="accent4"/>
-          </a:effectRef>
-          <a:fontRef idx="minor">
-            <a:schemeClr val="lt1"/>
-          </a:fontRef>
-        </p:style>
-        <p:txBody>
-          <a:bodyPr rtlCol="0" anchor="ctr"/>
-          <a:lstStyle/>
-          <a:p>
-            <a:pPr algn="ctr"/>
-            <a:endParaRPr lang="en-US"/>
-          </a:p>
-        </p:txBody>
-      </p:sp>
-      <p:sp>
-        <p:nvSpPr>
-          <p:cNvPr id="8" name="5-Point Star 7">
-            <a:extLst>
-              <a:ext uri="{FF2B5EF4-FFF2-40B4-BE49-F238E27FC236}">
-                <a16:creationId xmlns:a16="http://schemas.microsoft.com/office/drawing/2014/main" id="{ED8424BB-37DA-7D02-D9A6-08D5F56BFAD1}"/>
-              </a:ext>
-            </a:extLst>
-          </p:cNvPr>
-          <p:cNvSpPr/>
-          <p:nvPr/>
-        </p:nvSpPr>
-        <p:spPr>
-          <a:xfrm>
-            <a:off x="10983191" y="2848734"/>
-            <a:ext cx="207819" cy="207818"/>
-          </a:xfrm>
-          <a:prstGeom prst="star5">
-            <a:avLst/>
-          </a:prstGeom>
-        </p:spPr>
-        <p:style>
-          <a:lnRef idx="2">
-            <a:schemeClr val="accent4">
-              <a:shade val="15000"/>
-            </a:schemeClr>
-          </a:lnRef>
-          <a:fillRef idx="1">
-            <a:schemeClr val="accent4"/>
-          </a:fillRef>
-          <a:effectRef idx="0">
-            <a:schemeClr val="accent4"/>
-          </a:effectRef>
-          <a:fontRef idx="minor">
-            <a:schemeClr val="lt1"/>
-          </a:fontRef>
-        </p:style>
-        <p:txBody>
-          <a:bodyPr rtlCol="0" anchor="ctr"/>
-          <a:lstStyle/>
-          <a:p>
-            <a:pPr algn="ctr"/>
-            <a:endParaRPr lang="en-US"/>
-          </a:p>
-        </p:txBody>
-      </p:sp>
-      <p:sp>
-        <p:nvSpPr>
-          <p:cNvPr id="9" name="5-Point Star 8">
-            <a:extLst>
-              <a:ext uri="{FF2B5EF4-FFF2-40B4-BE49-F238E27FC236}">
-                <a16:creationId xmlns:a16="http://schemas.microsoft.com/office/drawing/2014/main" id="{80E8AA0B-CCFB-F8C7-C3CA-4125E1825F2D}"/>
-              </a:ext>
-            </a:extLst>
-          </p:cNvPr>
-          <p:cNvSpPr/>
-          <p:nvPr/>
-        </p:nvSpPr>
-        <p:spPr>
-          <a:xfrm>
-            <a:off x="11440393" y="2520769"/>
-            <a:ext cx="207819" cy="207818"/>
-          </a:xfrm>
-          <a:prstGeom prst="star5">
-            <a:avLst/>
-          </a:prstGeom>
-        </p:spPr>
-        <p:style>
-          <a:lnRef idx="2">
-            <a:schemeClr val="accent4">
-              <a:shade val="15000"/>
-            </a:schemeClr>
-          </a:lnRef>
-          <a:fillRef idx="1">
-            <a:schemeClr val="accent4"/>
-          </a:fillRef>
-          <a:effectRef idx="0">
-            <a:schemeClr val="accent4"/>
-          </a:effectRef>
-          <a:fontRef idx="minor">
-            <a:schemeClr val="lt1"/>
-          </a:fontRef>
-        </p:style>
-        <p:txBody>
-          <a:bodyPr rtlCol="0" anchor="ctr"/>
-          <a:lstStyle/>
-          <a:p>
-            <a:pPr algn="ctr"/>
-            <a:endParaRPr lang="en-US"/>
-          </a:p>
-        </p:txBody>
-      </p:sp>
-      <p:sp>
-        <p:nvSpPr>
-          <p:cNvPr id="10" name="5-Point Star 9">
-            <a:extLst>
-              <a:ext uri="{FF2B5EF4-FFF2-40B4-BE49-F238E27FC236}">
-                <a16:creationId xmlns:a16="http://schemas.microsoft.com/office/drawing/2014/main" id="{3F79B08E-E611-CBFE-3F4C-E21AD0B4B6A5}"/>
-              </a:ext>
-            </a:extLst>
-          </p:cNvPr>
-          <p:cNvSpPr/>
-          <p:nvPr/>
-        </p:nvSpPr>
-        <p:spPr>
-          <a:xfrm>
-            <a:off x="11440393" y="3313760"/>
-            <a:ext cx="207819" cy="207818"/>
-          </a:xfrm>
-          <a:prstGeom prst="star5">
-            <a:avLst/>
-          </a:prstGeom>
-        </p:spPr>
-        <p:style>
-          <a:lnRef idx="2">
-            <a:schemeClr val="accent4">
-              <a:shade val="15000"/>
-            </a:schemeClr>
-          </a:lnRef>
-          <a:fillRef idx="1">
-            <a:schemeClr val="accent4"/>
-          </a:fillRef>
-          <a:effectRef idx="0">
-            <a:schemeClr val="accent4"/>
-          </a:effectRef>
-          <a:fontRef idx="minor">
-            <a:schemeClr val="lt1"/>
-          </a:fontRef>
-        </p:style>
-        <p:txBody>
-          <a:bodyPr rtlCol="0" anchor="ctr"/>
-          <a:lstStyle/>
-          <a:p>
-            <a:pPr algn="ctr"/>
-            <a:endParaRPr lang="en-US"/>
-          </a:p>
-        </p:txBody>
-      </p:sp>
-      <p:sp>
-        <p:nvSpPr>
-          <p:cNvPr id="11" name="5-Point Star 10">
-            <a:extLst>
-              <a:ext uri="{FF2B5EF4-FFF2-40B4-BE49-F238E27FC236}">
-                <a16:creationId xmlns:a16="http://schemas.microsoft.com/office/drawing/2014/main" id="{C547899A-47FA-3BEC-6567-8AA9C93A262A}"/>
-              </a:ext>
-            </a:extLst>
-          </p:cNvPr>
-          <p:cNvSpPr/>
-          <p:nvPr/>
-        </p:nvSpPr>
-        <p:spPr>
-          <a:xfrm>
-            <a:off x="10744201" y="3773558"/>
-            <a:ext cx="207819" cy="207818"/>
-          </a:xfrm>
-          <a:prstGeom prst="star5">
-            <a:avLst/>
-          </a:prstGeom>
-        </p:spPr>
-        <p:style>
-          <a:lnRef idx="2">
-            <a:schemeClr val="accent4">
-              <a:shade val="15000"/>
-            </a:schemeClr>
-          </a:lnRef>
-          <a:fillRef idx="1">
-            <a:schemeClr val="accent4"/>
-          </a:fillRef>
-          <a:effectRef idx="0">
-            <a:schemeClr val="accent4"/>
-          </a:effectRef>
-          <a:fontRef idx="minor">
-            <a:schemeClr val="lt1"/>
-          </a:fontRef>
-        </p:style>
-        <p:txBody>
-          <a:bodyPr rtlCol="0" anchor="ctr"/>
-          <a:lstStyle/>
-          <a:p>
-            <a:pPr algn="ctr"/>
-            <a:endParaRPr lang="en-US"/>
-          </a:p>
-        </p:txBody>
-      </p:sp>
-      <p:sp>
-        <p:nvSpPr>
-          <p:cNvPr id="12" name="5-Point Star 11">
-            <a:extLst>
-              <a:ext uri="{FF2B5EF4-FFF2-40B4-BE49-F238E27FC236}">
-                <a16:creationId xmlns:a16="http://schemas.microsoft.com/office/drawing/2014/main" id="{CF470B5D-AD47-F429-62C9-1BB513588D6B}"/>
-              </a:ext>
-            </a:extLst>
-          </p:cNvPr>
-          <p:cNvSpPr/>
-          <p:nvPr/>
-        </p:nvSpPr>
-        <p:spPr>
-          <a:xfrm>
-            <a:off x="11242964" y="4572000"/>
-            <a:ext cx="207819" cy="207818"/>
-          </a:xfrm>
-          <a:prstGeom prst="star5">
-            <a:avLst/>
-          </a:prstGeom>
-        </p:spPr>
-        <p:style>
-          <a:lnRef idx="2">
-            <a:schemeClr val="accent4">
-              <a:shade val="15000"/>
-            </a:schemeClr>
-          </a:lnRef>
-          <a:fillRef idx="1">
-            <a:schemeClr val="accent4"/>
-          </a:fillRef>
-          <a:effectRef idx="0">
-            <a:schemeClr val="accent4"/>
-          </a:effectRef>
-          <a:fontRef idx="minor">
-            <a:schemeClr val="lt1"/>
-          </a:fontRef>
-        </p:style>
-        <p:txBody>
-          <a:bodyPr rtlCol="0" anchor="ctr"/>
-          <a:lstStyle/>
-          <a:p>
-            <a:pPr algn="ctr"/>
-            <a:endParaRPr lang="en-US"/>
-          </a:p>
-        </p:txBody>
-      </p:sp>
-      <p:sp>
-        <p:nvSpPr>
-          <p:cNvPr id="13" name="5-Point Star 12">
-            <a:extLst>
-              <a:ext uri="{FF2B5EF4-FFF2-40B4-BE49-F238E27FC236}">
-                <a16:creationId xmlns:a16="http://schemas.microsoft.com/office/drawing/2014/main" id="{9D33071E-FCAE-C61F-17D5-B2C5378F4DAE}"/>
-              </a:ext>
-            </a:extLst>
-          </p:cNvPr>
-          <p:cNvSpPr/>
-          <p:nvPr/>
-        </p:nvSpPr>
-        <p:spPr>
-          <a:xfrm>
-            <a:off x="11656457" y="4779818"/>
-            <a:ext cx="207819" cy="207818"/>
-          </a:xfrm>
-          <a:prstGeom prst="star5">
-            <a:avLst/>
-          </a:prstGeom>
-        </p:spPr>
-        <p:style>
-          <a:lnRef idx="2">
-            <a:schemeClr val="accent4">
-              <a:shade val="15000"/>
-            </a:schemeClr>
-          </a:lnRef>
-          <a:fillRef idx="1">
-            <a:schemeClr val="accent4"/>
-          </a:fillRef>
-          <a:effectRef idx="0">
-            <a:schemeClr val="accent4"/>
-          </a:effectRef>
-          <a:fontRef idx="minor">
-            <a:schemeClr val="lt1"/>
-          </a:fontRef>
-        </p:style>
-        <p:txBody>
-          <a:bodyPr rtlCol="0" anchor="ctr"/>
-          <a:lstStyle/>
-          <a:p>
-            <a:pPr algn="ctr"/>
-            <a:endParaRPr lang="en-US"/>
-          </a:p>
-        </p:txBody>
-      </p:sp>
-      <p:sp>
-        <p:nvSpPr>
-          <p:cNvPr id="14" name="5-Point Star 13">
-            <a:extLst>
-              <a:ext uri="{FF2B5EF4-FFF2-40B4-BE49-F238E27FC236}">
-                <a16:creationId xmlns:a16="http://schemas.microsoft.com/office/drawing/2014/main" id="{3F1405DB-CB4B-0F5C-32A5-A8BB516CBBCE}"/>
-              </a:ext>
-            </a:extLst>
-          </p:cNvPr>
-          <p:cNvSpPr/>
-          <p:nvPr/>
-        </p:nvSpPr>
-        <p:spPr>
-          <a:xfrm>
-            <a:off x="11222182" y="4237867"/>
-            <a:ext cx="207819" cy="207818"/>
-          </a:xfrm>
-          <a:prstGeom prst="star5">
-            <a:avLst/>
-          </a:prstGeom>
-        </p:spPr>
-        <p:style>
-          <a:lnRef idx="2">
-            <a:schemeClr val="accent4">
-              <a:shade val="15000"/>
-            </a:schemeClr>
-          </a:lnRef>
-          <a:fillRef idx="1">
-            <a:schemeClr val="accent4"/>
-          </a:fillRef>
-          <a:effectRef idx="0">
-            <a:schemeClr val="accent4"/>
-          </a:effectRef>
-          <a:fontRef idx="minor">
-            <a:schemeClr val="lt1"/>
-          </a:fontRef>
-        </p:style>
-        <p:txBody>
-          <a:bodyPr rtlCol="0" anchor="ctr"/>
-          <a:lstStyle/>
-          <a:p>
-            <a:pPr algn="ctr"/>
-            <a:endParaRPr lang="en-US"/>
-          </a:p>
-        </p:txBody>
-      </p:sp>
-      <p:sp>
-        <p:nvSpPr>
-          <p:cNvPr id="15" name="5-Point Star 14">
-            <a:extLst>
-              <a:ext uri="{FF2B5EF4-FFF2-40B4-BE49-F238E27FC236}">
-                <a16:creationId xmlns:a16="http://schemas.microsoft.com/office/drawing/2014/main" id="{8AD6248E-338C-B86A-3ACD-D64139EBE639}"/>
-              </a:ext>
-            </a:extLst>
-          </p:cNvPr>
-          <p:cNvSpPr/>
-          <p:nvPr/>
-        </p:nvSpPr>
-        <p:spPr>
-          <a:xfrm>
-            <a:off x="10992509" y="5117630"/>
-            <a:ext cx="207819" cy="207818"/>
-          </a:xfrm>
-          <a:prstGeom prst="star5">
-            <a:avLst/>
-          </a:prstGeom>
-        </p:spPr>
-        <p:style>
-          <a:lnRef idx="2">
-            <a:schemeClr val="accent4">
-              <a:shade val="15000"/>
-            </a:schemeClr>
-          </a:lnRef>
-          <a:fillRef idx="1">
-            <a:schemeClr val="accent4"/>
-          </a:fillRef>
-          <a:effectRef idx="0">
-            <a:schemeClr val="accent4"/>
-          </a:effectRef>
-          <a:fontRef idx="minor">
-            <a:schemeClr val="lt1"/>
-          </a:fontRef>
-        </p:style>
-        <p:txBody>
-          <a:bodyPr rtlCol="0" anchor="ctr"/>
-          <a:lstStyle/>
-          <a:p>
-            <a:pPr algn="ctr"/>
-            <a:endParaRPr lang="en-US"/>
+            <a:r>
+              <a:rPr lang="en-GB" dirty="0"/>
+              <a:t>	100/8 = 12.5</a:t>
+            </a:r>
           </a:p>
         </p:txBody>
       </p:sp>
     </p:spTree>
     <p:extLst>
       <p:ext uri="{BB962C8B-B14F-4D97-AF65-F5344CB8AC3E}">
-        <p14:creationId xmlns:p14="http://schemas.microsoft.com/office/powerpoint/2010/main" val="2653211012"/>
+        <p14:creationId xmlns:p14="http://schemas.microsoft.com/office/powerpoint/2010/main" val="2379956208"/>
       </p:ext>
     </p:extLst>
   </p:cSld>
@@ -7737,7 +7711,7 @@
         </p:spPr>
         <p:txBody>
           <a:bodyPr>
-            <a:normAutofit fontScale="92500" lnSpcReduction="10000"/>
+            <a:normAutofit/>
           </a:bodyPr>
           <a:lstStyle/>
           <a:p>
@@ -7803,6 +7777,35 @@
             </a:r>
           </a:p>
           <a:p>
+            <a:pPr marL="457200" lvl="1" indent="0">
+              <a:buNone/>
+            </a:pPr>
+            <a:endParaRPr lang="en-GB" dirty="0"/>
+          </a:p>
+          <a:p>
+            <a:pPr lvl="1"/>
+            <a:r>
+              <a:rPr lang="en-GB" dirty="0"/>
+              <a:t>SUS measures both </a:t>
+            </a:r>
+            <a:r>
+              <a:rPr lang="en-GB" b="1" dirty="0"/>
+              <a:t>learnability</a:t>
+            </a:r>
+            <a:r>
+              <a:rPr lang="en-GB" dirty="0"/>
+              <a:t> and </a:t>
+            </a:r>
+            <a:r>
+              <a:rPr lang="en-GB" b="1" dirty="0"/>
+              <a:t>usability</a:t>
+            </a:r>
+            <a:r>
+              <a:rPr lang="en-GB" dirty="0"/>
+              <a:t>.</a:t>
+            </a:r>
+          </a:p>
+          <a:p>
             <a:pPr lvl="1"/>
             <a:endParaRPr lang="en-GB" dirty="0"/>
           </a:p>
@@ -7810,52 +7813,6 @@
             <a:pPr lvl="1"/>
             <a:r>
               <a:rPr lang="en-GB" dirty="0"/>
-              <a:t>SUS </a:t>
-            </a:r>
-            <a:r>
-              <a:rPr lang="en-GB" b="1" dirty="0"/>
-              <a:t>scores are not percentages</a:t>
-            </a:r>
-            <a:r>
-              <a:rPr lang="en-GB" dirty="0"/>
-              <a:t>, despite returning a value between 0 and 100. To understand how your product compares to others, you need to look at its percentile ranking.</a:t>
-            </a:r>
-          </a:p>
-          <a:p>
-            <a:pPr lvl="1"/>
-            <a:endParaRPr lang="en-GB" dirty="0"/>
-          </a:p>
-          <a:p>
-            <a:pPr lvl="1"/>
-            <a:r>
-              <a:rPr lang="en-GB" dirty="0"/>
-              <a:t>SUS measures both </a:t>
-            </a:r>
-            <a:r>
-              <a:rPr lang="en-GB" b="1" dirty="0"/>
-              <a:t>learnability</a:t>
-            </a:r>
-            <a:r>
-              <a:rPr lang="en-GB" dirty="0"/>
-              <a:t> and </a:t>
-            </a:r>
-            <a:r>
-              <a:rPr lang="en-GB" b="1" dirty="0"/>
-              <a:t>usability</a:t>
-            </a:r>
-            <a:r>
-              <a:rPr lang="en-GB" dirty="0"/>
-              <a:t>.</a:t>
-            </a:r>
-          </a:p>
-          <a:p>
-            <a:pPr lvl="1"/>
-            <a:endParaRPr lang="en-GB" dirty="0"/>
-          </a:p>
-          <a:p>
-            <a:pPr lvl="1"/>
-            <a:r>
-              <a:rPr lang="en-GB" dirty="0"/>
               <a:t>SUS scores have a </a:t>
             </a:r>
             <a:r>
@@ -7864,7 +7821,7 @@
             </a:r>
             <a:r>
               <a:rPr lang="en-GB" dirty="0"/>
-              <a:t>, but it is not surprising that people’s subjective assessments may not be consistent with whether or not they were successful using a system.</a:t>
+              <a:t>, but it is not surprising that people’s subjective assessments may not be consistent with whether they were successful using a system.</a:t>
             </a:r>
           </a:p>
         </p:txBody>
@@ -8770,7 +8727,7 @@
           <a:p>
             <a:r>
               <a:rPr lang="en-GB" dirty="0"/>
-              <a:t>The best approach for constructing a CI around numeric rating scales is to compute the mean and standard deviation of the responses then use the </a:t>
+              <a:t>The best approach for constructing a CI around numeric rating scales is to compute the mean and standard deviation of the responses and then use the </a:t>
             </a:r>
             <a:r>
               <a:rPr lang="en-GB" b="1" dirty="0"/>
@@ -8796,7 +8753,15 @@
           <a:p>
             <a:r>
               <a:rPr lang="en-GB" dirty="0"/>
-              <a:t>The t-distribution adjusts for how good our estimate is by making the intervals wider as the sample sizes get smaller. </a:t>
+              <a:t>The t-distribution </a:t>
+            </a:r>
+            <a:r>
+              <a:rPr lang="en-GB" b="1" dirty="0"/>
+              <a:t>adjusts</a:t>
+            </a:r>
+            <a:r>
+              <a:rPr lang="en-GB" dirty="0"/>
+              <a:t> for how good our estimate is by making the intervals wider as the sample sizes get smaller. </a:t>
             </a:r>
           </a:p>
           <a:p>
@@ -9181,8 +9146,8 @@
           </a:p>
         </p:txBody>
       </p:sp>
-      <mc:AlternateContent xmlns:mc="http://schemas.openxmlformats.org/markup-compatibility/2006">
-        <mc:Choice xmlns:a14="http://schemas.microsoft.com/office/drawing/2010/main" Requires="a14">
+      <mc:AlternateContent xmlns:mc="http://schemas.openxmlformats.org/markup-compatibility/2006" xmlns:a14="http://schemas.microsoft.com/office/drawing/2010/main">
+        <mc:Choice Requires="a14">
           <p:sp>
             <p:nvSpPr>
               <p:cNvPr id="3" name="Segnaposto contenuto 2">
@@ -9292,7 +9257,7 @@
             </p:txBody>
           </p:sp>
         </mc:Choice>
-        <mc:Fallback>
+        <mc:Fallback xmlns="">
           <p:sp>
             <p:nvSpPr>
               <p:cNvPr id="3" name="Segnaposto contenuto 2">
@@ -11176,6 +11141,301 @@
           </p:sp>
         </mc:Fallback>
       </mc:AlternateContent>
+      <mc:AlternateContent xmlns:mc="http://schemas.openxmlformats.org/markup-compatibility/2006">
+        <mc:Choice xmlns:a14="http://schemas.microsoft.com/office/drawing/2010/main" Requires="a14">
+          <p:sp>
+            <p:nvSpPr>
+              <p:cNvPr id="7" name="TextBox 6">
+                <a:extLst>
+                  <a:ext uri="{FF2B5EF4-FFF2-40B4-BE49-F238E27FC236}">
+                    <a16:creationId xmlns:a16="http://schemas.microsoft.com/office/drawing/2014/main" id="{A48F9AA9-B307-823A-30B6-2D594E80C9C1}"/>
+                  </a:ext>
+                </a:extLst>
+              </p:cNvPr>
+              <p:cNvSpPr txBox="1"/>
+              <p:nvPr/>
+            </p:nvSpPr>
+            <p:spPr>
+              <a:xfrm>
+                <a:off x="4846663" y="2384795"/>
+                <a:ext cx="2430665" cy="1077603"/>
+              </a:xfrm>
+              <a:prstGeom prst="rect">
+                <a:avLst/>
+              </a:prstGeom>
+              <a:noFill/>
+            </p:spPr>
+            <p:txBody>
+              <a:bodyPr wrap="none" lIns="0" tIns="0" rIns="0" bIns="0" rtlCol="0">
+                <a:spAutoFit/>
+              </a:bodyPr>
+              <a:lstStyle/>
+              <a:p>
+                <a14:m>
+                  <m:oMathPara xmlns:m="http://schemas.openxmlformats.org/officeDocument/2006/math">
+                    <m:oMathParaPr>
+                      <m:jc m:val="centerGroup"/>
+                    </m:oMathParaPr>
+                    <m:oMath xmlns:m="http://schemas.openxmlformats.org/officeDocument/2006/math">
+                      <m:r>
+                        <a:rPr lang="en-US" b="0" i="1" smtClean="0">
+                          <a:latin typeface="Cambria Math" panose="02040503050406030204" pitchFamily="18" charset="0"/>
+                        </a:rPr>
+                        <m:t>𝑠</m:t>
+                      </m:r>
+                      <m:r>
+                        <a:rPr lang="en-US" b="0" i="1" smtClean="0">
+                          <a:latin typeface="Cambria Math" panose="02040503050406030204" pitchFamily="18" charset="0"/>
+                        </a:rPr>
+                        <m:t>=</m:t>
+                      </m:r>
+                      <m:rad>
+                        <m:radPr>
+                          <m:degHide m:val="on"/>
+                          <m:ctrlPr>
+                            <a:rPr lang="en-US" b="0" i="1" smtClean="0">
+                              <a:latin typeface="Cambria Math" panose="02040503050406030204" pitchFamily="18" charset="0"/>
+                            </a:rPr>
+                          </m:ctrlPr>
+                        </m:radPr>
+                        <m:deg/>
+                        <m:e>
+                          <m:f>
+                            <m:fPr>
+                              <m:ctrlPr>
+                                <a:rPr lang="en-US" b="0" i="1" smtClean="0">
+                                  <a:latin typeface="Cambria Math" panose="02040503050406030204" pitchFamily="18" charset="0"/>
+                                </a:rPr>
+                              </m:ctrlPr>
+                            </m:fPr>
+                            <m:num>
+                              <m:r>
+                                <a:rPr lang="en-US" b="0" i="1" smtClean="0">
+                                  <a:latin typeface="Cambria Math" panose="02040503050406030204" pitchFamily="18" charset="0"/>
+                                </a:rPr>
+                                <m:t>1</m:t>
+                              </m:r>
+                            </m:num>
+                            <m:den>
+                              <m:r>
+                                <a:rPr lang="en-US" b="0" i="1" smtClean="0">
+                                  <a:latin typeface="Cambria Math" panose="02040503050406030204" pitchFamily="18" charset="0"/>
+                                </a:rPr>
+                                <m:t>𝑛</m:t>
+                              </m:r>
+                              <m:r>
+                                <a:rPr lang="en-US" b="0" i="1" smtClean="0">
+                                  <a:latin typeface="Cambria Math" panose="02040503050406030204" pitchFamily="18" charset="0"/>
+                                </a:rPr>
+                                <m:t>−1</m:t>
+                              </m:r>
+                            </m:den>
+                          </m:f>
+                          <m:nary>
+                            <m:naryPr>
+                              <m:chr m:val="∑"/>
+                              <m:ctrlPr>
+                                <a:rPr lang="en-US" b="0" i="1" smtClean="0">
+                                  <a:latin typeface="Cambria Math" panose="02040503050406030204" pitchFamily="18" charset="0"/>
+                                </a:rPr>
+                              </m:ctrlPr>
+                            </m:naryPr>
+                            <m:sub>
+                              <m:r>
+                                <m:rPr>
+                                  <m:brk m:alnAt="23"/>
+                                </m:rPr>
+                                <a:rPr lang="en-US" b="0" i="1" smtClean="0">
+                                  <a:latin typeface="Cambria Math" panose="02040503050406030204" pitchFamily="18" charset="0"/>
+                                </a:rPr>
+                                <m:t>1</m:t>
+                              </m:r>
+                            </m:sub>
+                            <m:sup>
+                              <m:r>
+                                <a:rPr lang="en-US" b="0" i="1" smtClean="0">
+                                  <a:latin typeface="Cambria Math" panose="02040503050406030204" pitchFamily="18" charset="0"/>
+                                </a:rPr>
+                                <m:t>𝑛</m:t>
+                              </m:r>
+                            </m:sup>
+                            <m:e>
+                              <m:r>
+                                <a:rPr lang="en-US" b="0" i="1" smtClean="0">
+                                  <a:latin typeface="Cambria Math" panose="02040503050406030204" pitchFamily="18" charset="0"/>
+                                </a:rPr>
+                                <m:t>(</m:t>
+                              </m:r>
+                              <m:sSub>
+                                <m:sSubPr>
+                                  <m:ctrlPr>
+                                    <a:rPr lang="en-US" b="0" i="1" smtClean="0">
+                                      <a:latin typeface="Cambria Math" panose="02040503050406030204" pitchFamily="18" charset="0"/>
+                                    </a:rPr>
+                                  </m:ctrlPr>
+                                </m:sSubPr>
+                                <m:e>
+                                  <m:r>
+                                    <a:rPr lang="en-US" b="0" i="1" smtClean="0">
+                                      <a:latin typeface="Cambria Math" panose="02040503050406030204" pitchFamily="18" charset="0"/>
+                                    </a:rPr>
+                                    <m:t>𝑥</m:t>
+                                  </m:r>
+                                </m:e>
+                                <m:sub>
+                                  <m:r>
+                                    <a:rPr lang="en-US" b="0" i="1" smtClean="0">
+                                      <a:latin typeface="Cambria Math" panose="02040503050406030204" pitchFamily="18" charset="0"/>
+                                    </a:rPr>
+                                    <m:t>𝑖</m:t>
+                                  </m:r>
+                                </m:sub>
+                              </m:sSub>
+                              <m:r>
+                                <a:rPr lang="en-US" b="0" i="1" smtClean="0">
+                                  <a:latin typeface="Cambria Math" panose="02040503050406030204" pitchFamily="18" charset="0"/>
+                                </a:rPr>
+                                <m:t>−</m:t>
+                              </m:r>
+                              <m:acc>
+                                <m:accPr>
+                                  <m:chr m:val="̅"/>
+                                  <m:ctrlPr>
+                                    <a:rPr lang="en-US" b="0" i="1" smtClean="0">
+                                      <a:latin typeface="Cambria Math" panose="02040503050406030204" pitchFamily="18" charset="0"/>
+                                    </a:rPr>
+                                  </m:ctrlPr>
+                                </m:accPr>
+                                <m:e>
+                                  <m:r>
+                                    <a:rPr lang="en-US" b="0" i="1" smtClean="0">
+                                      <a:latin typeface="Cambria Math" panose="02040503050406030204" pitchFamily="18" charset="0"/>
+                                    </a:rPr>
+                                    <m:t>𝑥</m:t>
+                                  </m:r>
+                                </m:e>
+                              </m:acc>
+                              <m:sSup>
+                                <m:sSupPr>
+                                  <m:ctrlPr>
+                                    <a:rPr lang="en-US" b="0" i="1" smtClean="0">
+                                      <a:latin typeface="Cambria Math" panose="02040503050406030204" pitchFamily="18" charset="0"/>
+                                    </a:rPr>
+                                  </m:ctrlPr>
+                                </m:sSupPr>
+                                <m:e>
+                                  <m:r>
+                                    <a:rPr lang="en-US" b="0" i="1" smtClean="0">
+                                      <a:latin typeface="Cambria Math" panose="02040503050406030204" pitchFamily="18" charset="0"/>
+                                    </a:rPr>
+                                    <m:t>)</m:t>
+                                  </m:r>
+                                </m:e>
+                                <m:sup>
+                                  <m:r>
+                                    <a:rPr lang="en-US" b="0" i="1" smtClean="0">
+                                      <a:latin typeface="Cambria Math" panose="02040503050406030204" pitchFamily="18" charset="0"/>
+                                    </a:rPr>
+                                    <m:t>2</m:t>
+                                  </m:r>
+                                </m:sup>
+                              </m:sSup>
+                            </m:e>
+                          </m:nary>
+                        </m:e>
+                      </m:rad>
+                    </m:oMath>
+                  </m:oMathPara>
+                </a14:m>
+                <a:endParaRPr lang="en-US" dirty="0"/>
+              </a:p>
+            </p:txBody>
+          </p:sp>
+        </mc:Choice>
+        <mc:Fallback>
+          <p:sp>
+            <p:nvSpPr>
+              <p:cNvPr id="7" name="TextBox 6">
+                <a:extLst>
+                  <a:ext uri="{FF2B5EF4-FFF2-40B4-BE49-F238E27FC236}">
+                    <a16:creationId xmlns:a16="http://schemas.microsoft.com/office/drawing/2014/main" id="{A48F9AA9-B307-823A-30B6-2D594E80C9C1}"/>
+                  </a:ext>
+                </a:extLst>
+              </p:cNvPr>
+              <p:cNvSpPr txBox="1">
+                <a:spLocks noRot="1" noChangeAspect="1" noMove="1" noResize="1" noEditPoints="1" noAdjustHandles="1" noChangeArrowheads="1" noChangeShapeType="1" noTextEdit="1"/>
+              </p:cNvSpPr>
+              <p:nvPr/>
+            </p:nvSpPr>
+            <p:spPr>
+              <a:xfrm>
+                <a:off x="4846663" y="2384795"/>
+                <a:ext cx="2430665" cy="1077603"/>
+              </a:xfrm>
+              <a:prstGeom prst="rect">
+                <a:avLst/>
+              </a:prstGeom>
+              <a:blipFill>
+                <a:blip r:embed="rId8"/>
+                <a:stretch>
+                  <a:fillRect l="-1036" t="-66279" b="-112791"/>
+                </a:stretch>
+              </a:blipFill>
+            </p:spPr>
+            <p:txBody>
+              <a:bodyPr/>
+              <a:lstStyle/>
+              <a:p>
+                <a:r>
+                  <a:rPr lang="en-US">
+                    <a:noFill/>
+                  </a:rPr>
+                  <a:t> </a:t>
+                </a:r>
+              </a:p>
+            </p:txBody>
+          </p:sp>
+        </mc:Fallback>
+      </mc:AlternateContent>
+      <p:cxnSp>
+        <p:nvCxnSpPr>
+          <p:cNvPr id="11" name="Straight Arrow Connector 10">
+            <a:extLst>
+              <a:ext uri="{FF2B5EF4-FFF2-40B4-BE49-F238E27FC236}">
+                <a16:creationId xmlns:a16="http://schemas.microsoft.com/office/drawing/2014/main" id="{C9C511C2-97F1-BF68-1BAA-FF310C144791}"/>
+              </a:ext>
+            </a:extLst>
+          </p:cNvPr>
+          <p:cNvCxnSpPr/>
+          <p:nvPr/>
+        </p:nvCxnSpPr>
+        <p:spPr>
+          <a:xfrm flipV="1">
+            <a:off x="3677692" y="3011162"/>
+            <a:ext cx="1094396" cy="943592"/>
+          </a:xfrm>
+          <a:prstGeom prst="straightConnector1">
+            <a:avLst/>
+          </a:prstGeom>
+          <a:ln>
+            <a:tailEnd type="triangle"/>
+          </a:ln>
+        </p:spPr>
+        <p:style>
+          <a:lnRef idx="1">
+            <a:schemeClr val="dk1"/>
+          </a:lnRef>
+          <a:fillRef idx="0">
+            <a:schemeClr val="dk1"/>
+          </a:fillRef>
+          <a:effectRef idx="0">
+            <a:schemeClr val="dk1"/>
+          </a:effectRef>
+          <a:fontRef idx="minor">
+            <a:schemeClr val="tx1"/>
+          </a:fontRef>
+        </p:style>
+      </p:cxnSp>
     </p:spTree>
     <p:extLst>
       <p:ext uri="{BB962C8B-B14F-4D97-AF65-F5344CB8AC3E}">
@@ -12487,8 +12747,8 @@
           </a:p>
         </p:txBody>
       </p:sp>
-      <mc:AlternateContent xmlns:mc="http://schemas.openxmlformats.org/markup-compatibility/2006">
-        <mc:Choice xmlns:a14="http://schemas.microsoft.com/office/drawing/2010/main" Requires="a14">
+      <mc:AlternateContent xmlns:mc="http://schemas.openxmlformats.org/markup-compatibility/2006" xmlns:a14="http://schemas.microsoft.com/office/drawing/2010/main">
+        <mc:Choice Requires="a14">
           <p:sp>
             <p:nvSpPr>
               <p:cNvPr id="5" name="TextBox 4">
@@ -12632,7 +12892,7 @@
             </p:txBody>
           </p:sp>
         </mc:Choice>
-        <mc:Fallback>
+        <mc:Fallback xmlns="">
           <p:sp>
             <p:nvSpPr>
               <p:cNvPr id="5" name="TextBox 4">
@@ -12677,8 +12937,8 @@
           </p:sp>
         </mc:Fallback>
       </mc:AlternateContent>
-      <mc:AlternateContent xmlns:mc="http://schemas.openxmlformats.org/markup-compatibility/2006">
-        <mc:Choice xmlns:a14="http://schemas.microsoft.com/office/drawing/2010/main" Requires="a14">
+      <mc:AlternateContent xmlns:mc="http://schemas.openxmlformats.org/markup-compatibility/2006" xmlns:a14="http://schemas.microsoft.com/office/drawing/2010/main">
+        <mc:Choice Requires="a14">
           <p:sp>
             <p:nvSpPr>
               <p:cNvPr id="6" name="Segnaposto contenuto 2">
@@ -12956,7 +13216,7 @@
             </p:txBody>
           </p:sp>
         </mc:Choice>
-        <mc:Fallback>
+        <mc:Fallback xmlns="">
           <p:sp>
             <p:nvSpPr>
               <p:cNvPr id="6" name="Segnaposto contenuto 2">

--- a/theory_11-usability_evaluation/theory_11-usability_evaluation.pptx
+++ b/theory_11-usability_evaluation/theory_11-usability_evaluation.pptx
@@ -5233,7 +5233,7 @@
             </a:pPr>
             <a:r>
               <a:rPr lang="en-GB" dirty="0"/>
-              <a:t>(16 + 9) x 2.5 = </a:t>
+              <a:t>(16 + 9) x 3.125 = </a:t>
             </a:r>
             <a:r>
               <a:rPr lang="en-GB" b="1" dirty="0"/>
@@ -11141,8 +11141,8 @@
           </p:sp>
         </mc:Fallback>
       </mc:AlternateContent>
-      <mc:AlternateContent xmlns:mc="http://schemas.openxmlformats.org/markup-compatibility/2006">
-        <mc:Choice xmlns:a14="http://schemas.microsoft.com/office/drawing/2010/main" Requires="a14">
+      <mc:AlternateContent xmlns:mc="http://schemas.openxmlformats.org/markup-compatibility/2006" xmlns:a14="http://schemas.microsoft.com/office/drawing/2010/main">
+        <mc:Choice Requires="a14">
           <p:sp>
             <p:nvSpPr>
               <p:cNvPr id="7" name="TextBox 6">
@@ -11171,6 +11171,7 @@
               </a:bodyPr>
               <a:lstStyle/>
               <a:p>
+                <a:pPr/>
                 <a14:m>
                   <m:oMathPara xmlns:m="http://schemas.openxmlformats.org/officeDocument/2006/math">
                     <m:oMathParaPr>
@@ -11352,7 +11353,7 @@
             </p:txBody>
           </p:sp>
         </mc:Choice>
-        <mc:Fallback>
+        <mc:Fallback xmlns="">
           <p:sp>
             <p:nvSpPr>
               <p:cNvPr id="7" name="TextBox 6">

--- a/theory_11-usability_evaluation/theory_11-usability_evaluation.pptx
+++ b/theory_11-usability_evaluation/theory_11-usability_evaluation.pptx
@@ -234,7 +234,7 @@
           <a:p>
             <a:fld id="{251090E0-FB0C-49E9-9864-9F53EABEA96F}" type="datetimeFigureOut">
               <a:rPr lang="en-GB" smtClean="0"/>
-              <a:t>06/05/2024</a:t>
+              <a:t>14/06/2024</a:t>
             </a:fld>
             <a:endParaRPr lang="en-GB"/>
           </a:p>
@@ -4066,7 +4066,7 @@
             </a:pPr>
             <a:r>
               <a:rPr lang="en-GB" dirty="0"/>
-              <a:t>(3-1) + (4-1) + (4-1) + (3-1) + (5-1) = 16</a:t>
+              <a:t>(3-1) + (4-1) + (4-1) + (3-1) + (5-1) = 14</a:t>
             </a:r>
           </a:p>
           <a:p>
@@ -4117,11 +4117,11 @@
             </a:pPr>
             <a:r>
               <a:rPr lang="en-GB" dirty="0"/>
-              <a:t>(16 + 15) x 2.5 = </a:t>
+              <a:t>(14 + 15) x 2.5 = </a:t>
             </a:r>
             <a:r>
               <a:rPr lang="en-GB" b="1" dirty="0"/>
-              <a:t>77.5</a:t>
+              <a:t>72.5</a:t>
             </a:r>
           </a:p>
         </p:txBody>
@@ -5182,7 +5182,7 @@
             </a:pPr>
             <a:r>
               <a:rPr lang="en-GB" dirty="0"/>
-              <a:t>(3-1) + (4-1) + (4-1) + (3-1) + (5-1) = 16</a:t>
+              <a:t>(3-1) + (4-1) + (4-1) + (3-1) + (5-1) = 14</a:t>
             </a:r>
           </a:p>
           <a:p>
@@ -5233,11 +5233,11 @@
             </a:pPr>
             <a:r>
               <a:rPr lang="en-GB" dirty="0"/>
-              <a:t>(16 + 9) x 3.125 = </a:t>
+              <a:t>(14 + 9) x 3.125 = </a:t>
             </a:r>
             <a:r>
               <a:rPr lang="en-GB" b="1" dirty="0"/>
-              <a:t>78.125</a:t>
+              <a:t>71.875</a:t>
             </a:r>
           </a:p>
         </p:txBody>
@@ -13446,7 +13446,7 @@
             <a:pPr lvl="1"/>
             <a:r>
               <a:rPr lang="en-GB" dirty="0"/>
-              <a:t>Mean of differences = 7.4</a:t>
+              <a:t>Mean of differences = 7.2</a:t>
             </a:r>
           </a:p>
           <a:p>
@@ -13507,8 +13507,8 @@
           </a:prstGeom>
         </p:spPr>
       </p:pic>
-      <mc:AlternateContent xmlns:mc="http://schemas.openxmlformats.org/markup-compatibility/2006" xmlns:a14="http://schemas.microsoft.com/office/drawing/2010/main">
-        <mc:Choice Requires="a14">
+      <mc:AlternateContent xmlns:mc="http://schemas.openxmlformats.org/markup-compatibility/2006">
+        <mc:Choice xmlns:a14="http://schemas.microsoft.com/office/drawing/2010/main" Requires="a14">
           <p:sp>
             <p:nvSpPr>
               <p:cNvPr id="6" name="TextBox 5">
@@ -13663,7 +13663,13 @@
                             <a:rPr lang="en-US" sz="2000" b="0" i="1" smtClean="0">
                               <a:latin typeface="Cambria Math" panose="02040503050406030204" pitchFamily="18" charset="0"/>
                             </a:rPr>
-                            <m:t>7.4</m:t>
+                            <m:t>7.</m:t>
+                          </m:r>
+                          <m:r>
+                            <a:rPr lang="en-US" sz="2000" b="0" i="1" smtClean="0">
+                              <a:latin typeface="Cambria Math" panose="02040503050406030204" pitchFamily="18" charset="0"/>
+                            </a:rPr>
+                            <m:t>2</m:t>
                           </m:r>
                         </m:num>
                         <m:den>
@@ -13680,7 +13686,19 @@
                                 <a:rPr lang="en-US" sz="2000" b="0" i="1" smtClean="0">
                                   <a:latin typeface="Cambria Math" panose="02040503050406030204" pitchFamily="18" charset="0"/>
                                 </a:rPr>
-                                <m:t>5.46</m:t>
+                                <m:t>5.</m:t>
+                              </m:r>
+                              <m:r>
+                                <a:rPr lang="en-US" sz="2000" b="0" i="1" smtClean="0">
+                                  <a:latin typeface="Cambria Math" panose="02040503050406030204" pitchFamily="18" charset="0"/>
+                                </a:rPr>
+                                <m:t>2</m:t>
+                              </m:r>
+                              <m:r>
+                                <a:rPr lang="en-US" sz="2000" b="0" i="1" smtClean="0">
+                                  <a:latin typeface="Cambria Math" panose="02040503050406030204" pitchFamily="18" charset="0"/>
+                                </a:rPr>
+                                <m:t>6</m:t>
                               </m:r>
                             </m:num>
                             <m:den>
@@ -13726,7 +13744,13 @@
                             <a:rPr lang="en-US" sz="2000" b="0" i="1" smtClean="0">
                               <a:latin typeface="Cambria Math" panose="02040503050406030204" pitchFamily="18" charset="0"/>
                             </a:rPr>
-                            <m:t>7.4</m:t>
+                            <m:t>7.</m:t>
+                          </m:r>
+                          <m:r>
+                            <a:rPr lang="en-US" sz="2000" b="0" i="1" smtClean="0">
+                              <a:latin typeface="Cambria Math" panose="02040503050406030204" pitchFamily="18" charset="0"/>
+                            </a:rPr>
+                            <m:t>2</m:t>
                           </m:r>
                         </m:num>
                         <m:den>
@@ -13734,7 +13758,13 @@
                             <a:rPr lang="en-US" sz="2000" b="0" i="1" smtClean="0">
                               <a:latin typeface="Cambria Math" panose="02040503050406030204" pitchFamily="18" charset="0"/>
                             </a:rPr>
-                            <m:t>2.44</m:t>
+                            <m:t>2.</m:t>
+                          </m:r>
+                          <m:r>
+                            <a:rPr lang="en-US" sz="2000" b="0" i="1" smtClean="0">
+                              <a:latin typeface="Cambria Math" panose="02040503050406030204" pitchFamily="18" charset="0"/>
+                            </a:rPr>
+                            <m:t>35</m:t>
                           </m:r>
                         </m:den>
                       </m:f>
@@ -13742,7 +13772,13 @@
                         <a:rPr lang="en-US" sz="2000" b="0" i="1" smtClean="0">
                           <a:latin typeface="Cambria Math" panose="02040503050406030204" pitchFamily="18" charset="0"/>
                         </a:rPr>
-                        <m:t>=3.03</m:t>
+                        <m:t>=3.0</m:t>
+                      </m:r>
+                      <m:r>
+                        <a:rPr lang="en-US" sz="2000" b="0" i="1" smtClean="0">
+                          <a:latin typeface="Cambria Math" panose="02040503050406030204" pitchFamily="18" charset="0"/>
+                        </a:rPr>
+                        <m:t>6</m:t>
                       </m:r>
                     </m:oMath>
                   </m:oMathPara>
@@ -13752,7 +13788,7 @@
             </p:txBody>
           </p:sp>
         </mc:Choice>
-        <mc:Fallback xmlns="">
+        <mc:Fallback>
           <p:sp>
             <p:nvSpPr>
               <p:cNvPr id="6" name="TextBox 5">
@@ -15051,7 +15087,7 @@
               <a:rPr lang="en-GB" dirty="0">
                 <a:latin typeface="Palatino Linotype" panose="02040502050505030304" pitchFamily="18" charset="0"/>
               </a:rPr>
-              <a:t>The usability of app B is statistically better if we consider a level of significance (p-value) greater than ~ 0.05</a:t>
+              <a:t>The usability of app B is statistically better if we consider a level of significance (p-value) greater than ~ 0.10</a:t>
             </a:r>
           </a:p>
           <a:p>
@@ -15108,7 +15144,7 @@
         </p:nvSpPr>
         <p:spPr>
           <a:xfrm>
-            <a:off x="10147859" y="3002145"/>
+            <a:off x="9702851" y="3002145"/>
             <a:ext cx="129986" cy="121380"/>
           </a:xfrm>
           <a:prstGeom prst="ellipse">
@@ -15156,8 +15192,8 @@
         </p:nvCxnSpPr>
         <p:spPr>
           <a:xfrm flipV="1">
-            <a:off x="7209692" y="3123525"/>
-            <a:ext cx="2938167" cy="1511780"/>
+            <a:off x="7209692" y="3118556"/>
+            <a:ext cx="2558152" cy="1516749"/>
           </a:xfrm>
           <a:prstGeom prst="straightConnector1">
             <a:avLst/>
@@ -15181,8 +15217,8 @@
           </a:fontRef>
         </p:style>
       </p:cxnSp>
-      <mc:AlternateContent xmlns:mc="http://schemas.openxmlformats.org/markup-compatibility/2006" xmlns:a14="http://schemas.microsoft.com/office/drawing/2010/main">
-        <mc:Choice Requires="a14">
+      <mc:AlternateContent xmlns:mc="http://schemas.openxmlformats.org/markup-compatibility/2006">
+        <mc:Choice xmlns:a14="http://schemas.microsoft.com/office/drawing/2010/main" Requires="a14">
           <p:sp>
             <p:nvSpPr>
               <p:cNvPr id="5" name="TextBox 4">
@@ -15534,7 +15570,7 @@
                                   <a:rPr lang="en-US" sz="2400" b="0" i="1" smtClean="0">
                                     <a:latin typeface="Cambria Math" panose="02040503050406030204" pitchFamily="18" charset="0"/>
                                   </a:rPr>
-                                  <m:t>91.3</m:t>
+                                  <m:t>107.6</m:t>
                                 </m:r>
                               </m:num>
                               <m:den>
@@ -15614,7 +15650,13 @@
                           <a:rPr lang="en-US" sz="2400" b="0" i="1" smtClean="0">
                             <a:latin typeface="Cambria Math" panose="02040503050406030204" pitchFamily="18" charset="0"/>
                           </a:rPr>
-                          <m:t>.11</m:t>
+                          <m:t>.</m:t>
+                        </m:r>
+                        <m:r>
+                          <a:rPr lang="en-US" sz="2400" b="0" i="1" smtClean="0">
+                            <a:latin typeface="Cambria Math" panose="02040503050406030204" pitchFamily="18" charset="0"/>
+                          </a:rPr>
+                          <m:t>37</m:t>
                         </m:r>
                       </m:den>
                     </m:f>
@@ -15622,7 +15664,25 @@
                       <a:rPr lang="en-US" sz="2400" b="0" i="1" smtClean="0">
                         <a:latin typeface="Cambria Math" panose="02040503050406030204" pitchFamily="18" charset="0"/>
                       </a:rPr>
-                      <m:t>=−2.348=2.348</m:t>
+                      <m:t>=−2.</m:t>
+                    </m:r>
+                    <m:r>
+                      <a:rPr lang="en-US" sz="2400" b="0" i="1" smtClean="0">
+                        <a:latin typeface="Cambria Math" panose="02040503050406030204" pitchFamily="18" charset="0"/>
+                      </a:rPr>
+                      <m:t>235</m:t>
+                    </m:r>
+                    <m:r>
+                      <a:rPr lang="en-US" sz="2400" b="0" i="1" smtClean="0">
+                        <a:latin typeface="Cambria Math" panose="02040503050406030204" pitchFamily="18" charset="0"/>
+                      </a:rPr>
+                      <m:t>=2.</m:t>
+                    </m:r>
+                    <m:r>
+                      <a:rPr lang="en-US" sz="2400" b="0" i="1" smtClean="0">
+                        <a:latin typeface="Cambria Math" panose="02040503050406030204" pitchFamily="18" charset="0"/>
+                      </a:rPr>
+                      <m:t>235</m:t>
                     </m:r>
                   </m:oMath>
                 </a14:m>
@@ -15631,7 +15691,7 @@
             </p:txBody>
           </p:sp>
         </mc:Choice>
-        <mc:Fallback xmlns="">
+        <mc:Fallback>
           <p:sp>
             <p:nvSpPr>
               <p:cNvPr id="5" name="TextBox 4">
@@ -15657,7 +15717,7 @@
               <a:blipFill>
                 <a:blip r:embed="rId3"/>
                 <a:stretch>
-                  <a:fillRect l="-1406" t="-5747"/>
+                  <a:fillRect l="-1406" t="-5747" r="-201"/>
                 </a:stretch>
               </a:blipFill>
             </p:spPr>

--- a/theory_11-usability_evaluation/theory_11-usability_evaluation.pptx
+++ b/theory_11-usability_evaluation/theory_11-usability_evaluation.pptx
@@ -234,7 +234,7 @@
           <a:p>
             <a:fld id="{251090E0-FB0C-49E9-9864-9F53EABEA96F}" type="datetimeFigureOut">
               <a:rPr lang="en-GB" smtClean="0"/>
-              <a:t>14/06/2024</a:t>
+              <a:t>19/06/2024</a:t>
             </a:fld>
             <a:endParaRPr lang="en-GB"/>
           </a:p>
@@ -13507,8 +13507,8 @@
           </a:prstGeom>
         </p:spPr>
       </p:pic>
-      <mc:AlternateContent xmlns:mc="http://schemas.openxmlformats.org/markup-compatibility/2006">
-        <mc:Choice xmlns:a14="http://schemas.microsoft.com/office/drawing/2010/main" Requires="a14">
+      <mc:AlternateContent xmlns:mc="http://schemas.openxmlformats.org/markup-compatibility/2006" xmlns:a14="http://schemas.microsoft.com/office/drawing/2010/main">
+        <mc:Choice Requires="a14">
           <p:sp>
             <p:nvSpPr>
               <p:cNvPr id="6" name="TextBox 5">
@@ -13663,13 +13663,7 @@
                             <a:rPr lang="en-US" sz="2000" b="0" i="1" smtClean="0">
                               <a:latin typeface="Cambria Math" panose="02040503050406030204" pitchFamily="18" charset="0"/>
                             </a:rPr>
-                            <m:t>7.</m:t>
-                          </m:r>
-                          <m:r>
-                            <a:rPr lang="en-US" sz="2000" b="0" i="1" smtClean="0">
-                              <a:latin typeface="Cambria Math" panose="02040503050406030204" pitchFamily="18" charset="0"/>
-                            </a:rPr>
-                            <m:t>2</m:t>
+                            <m:t>7.2</m:t>
                           </m:r>
                         </m:num>
                         <m:den>
@@ -13686,19 +13680,7 @@
                                 <a:rPr lang="en-US" sz="2000" b="0" i="1" smtClean="0">
                                   <a:latin typeface="Cambria Math" panose="02040503050406030204" pitchFamily="18" charset="0"/>
                                 </a:rPr>
-                                <m:t>5.</m:t>
-                              </m:r>
-                              <m:r>
-                                <a:rPr lang="en-US" sz="2000" b="0" i="1" smtClean="0">
-                                  <a:latin typeface="Cambria Math" panose="02040503050406030204" pitchFamily="18" charset="0"/>
-                                </a:rPr>
-                                <m:t>2</m:t>
-                              </m:r>
-                              <m:r>
-                                <a:rPr lang="en-US" sz="2000" b="0" i="1" smtClean="0">
-                                  <a:latin typeface="Cambria Math" panose="02040503050406030204" pitchFamily="18" charset="0"/>
-                                </a:rPr>
-                                <m:t>6</m:t>
+                                <m:t>5.26</m:t>
                               </m:r>
                             </m:num>
                             <m:den>
@@ -13744,13 +13726,7 @@
                             <a:rPr lang="en-US" sz="2000" b="0" i="1" smtClean="0">
                               <a:latin typeface="Cambria Math" panose="02040503050406030204" pitchFamily="18" charset="0"/>
                             </a:rPr>
-                            <m:t>7.</m:t>
-                          </m:r>
-                          <m:r>
-                            <a:rPr lang="en-US" sz="2000" b="0" i="1" smtClean="0">
-                              <a:latin typeface="Cambria Math" panose="02040503050406030204" pitchFamily="18" charset="0"/>
-                            </a:rPr>
-                            <m:t>2</m:t>
+                            <m:t>7.2</m:t>
                           </m:r>
                         </m:num>
                         <m:den>
@@ -13758,13 +13734,7 @@
                             <a:rPr lang="en-US" sz="2000" b="0" i="1" smtClean="0">
                               <a:latin typeface="Cambria Math" panose="02040503050406030204" pitchFamily="18" charset="0"/>
                             </a:rPr>
-                            <m:t>2.</m:t>
-                          </m:r>
-                          <m:r>
-                            <a:rPr lang="en-US" sz="2000" b="0" i="1" smtClean="0">
-                              <a:latin typeface="Cambria Math" panose="02040503050406030204" pitchFamily="18" charset="0"/>
-                            </a:rPr>
-                            <m:t>35</m:t>
+                            <m:t>2.35</m:t>
                           </m:r>
                         </m:den>
                       </m:f>
@@ -13772,13 +13742,7 @@
                         <a:rPr lang="en-US" sz="2000" b="0" i="1" smtClean="0">
                           <a:latin typeface="Cambria Math" panose="02040503050406030204" pitchFamily="18" charset="0"/>
                         </a:rPr>
-                        <m:t>=3.0</m:t>
-                      </m:r>
-                      <m:r>
-                        <a:rPr lang="en-US" sz="2000" b="0" i="1" smtClean="0">
-                          <a:latin typeface="Cambria Math" panose="02040503050406030204" pitchFamily="18" charset="0"/>
-                        </a:rPr>
-                        <m:t>6</m:t>
+                        <m:t>=3.06</m:t>
                       </m:r>
                     </m:oMath>
                   </m:oMathPara>
@@ -13788,7 +13752,7 @@
             </p:txBody>
           </p:sp>
         </mc:Choice>
-        <mc:Fallback>
+        <mc:Fallback xmlns="">
           <p:sp>
             <p:nvSpPr>
               <p:cNvPr id="6" name="TextBox 5">
@@ -13984,7 +13948,15 @@
           <a:p>
             <a:r>
               <a:rPr lang="it-IT" dirty="0" err="1"/>
-              <a:t>Within-subjects</a:t>
+              <a:t>Different</a:t>
+            </a:r>
+            <a:r>
+              <a:rPr lang="it-IT" dirty="0"/>
+              <a:t> </a:t>
+            </a:r>
+            <a:r>
+              <a:rPr lang="it-IT" dirty="0" err="1"/>
+              <a:t>subjects</a:t>
             </a:r>
             <a:r>
               <a:rPr lang="it-IT" dirty="0"/>
@@ -15217,8 +15189,8 @@
           </a:fontRef>
         </p:style>
       </p:cxnSp>
-      <mc:AlternateContent xmlns:mc="http://schemas.openxmlformats.org/markup-compatibility/2006">
-        <mc:Choice xmlns:a14="http://schemas.microsoft.com/office/drawing/2010/main" Requires="a14">
+      <mc:AlternateContent xmlns:mc="http://schemas.openxmlformats.org/markup-compatibility/2006" xmlns:a14="http://schemas.microsoft.com/office/drawing/2010/main">
+        <mc:Choice Requires="a14">
           <p:sp>
             <p:nvSpPr>
               <p:cNvPr id="5" name="TextBox 4">
@@ -15650,13 +15622,7 @@
                           <a:rPr lang="en-US" sz="2400" b="0" i="1" smtClean="0">
                             <a:latin typeface="Cambria Math" panose="02040503050406030204" pitchFamily="18" charset="0"/>
                           </a:rPr>
-                          <m:t>.</m:t>
-                        </m:r>
-                        <m:r>
-                          <a:rPr lang="en-US" sz="2400" b="0" i="1" smtClean="0">
-                            <a:latin typeface="Cambria Math" panose="02040503050406030204" pitchFamily="18" charset="0"/>
-                          </a:rPr>
-                          <m:t>37</m:t>
+                          <m:t>.37</m:t>
                         </m:r>
                       </m:den>
                     </m:f>
@@ -15664,25 +15630,7 @@
                       <a:rPr lang="en-US" sz="2400" b="0" i="1" smtClean="0">
                         <a:latin typeface="Cambria Math" panose="02040503050406030204" pitchFamily="18" charset="0"/>
                       </a:rPr>
-                      <m:t>=−2.</m:t>
-                    </m:r>
-                    <m:r>
-                      <a:rPr lang="en-US" sz="2400" b="0" i="1" smtClean="0">
-                        <a:latin typeface="Cambria Math" panose="02040503050406030204" pitchFamily="18" charset="0"/>
-                      </a:rPr>
-                      <m:t>235</m:t>
-                    </m:r>
-                    <m:r>
-                      <a:rPr lang="en-US" sz="2400" b="0" i="1" smtClean="0">
-                        <a:latin typeface="Cambria Math" panose="02040503050406030204" pitchFamily="18" charset="0"/>
-                      </a:rPr>
-                      <m:t>=2.</m:t>
-                    </m:r>
-                    <m:r>
-                      <a:rPr lang="en-US" sz="2400" b="0" i="1" smtClean="0">
-                        <a:latin typeface="Cambria Math" panose="02040503050406030204" pitchFamily="18" charset="0"/>
-                      </a:rPr>
-                      <m:t>235</m:t>
+                      <m:t>=−2.235=2.235</m:t>
                     </m:r>
                   </m:oMath>
                 </a14:m>
@@ -15691,7 +15639,7 @@
             </p:txBody>
           </p:sp>
         </mc:Choice>
-        <mc:Fallback>
+        <mc:Fallback xmlns="">
           <p:sp>
             <p:nvSpPr>
               <p:cNvPr id="5" name="TextBox 4">
